--- a/opt/220426_有制約最適化の検証_rev.0.pptx
+++ b/opt/220426_有制約最適化の検証_rev.0.pptx
@@ -9279,8 +9279,8 @@
           </a:p>
         </p:txBody>
       </p:sp>
-      <mc:AlternateContent xmlns:mc="http://schemas.openxmlformats.org/markup-compatibility/2006">
-        <mc:Choice xmlns:a14="http://schemas.microsoft.com/office/drawing/2010/main" Requires="a14">
+      <mc:AlternateContent xmlns:mc="http://schemas.openxmlformats.org/markup-compatibility/2006" xmlns:a14="http://schemas.microsoft.com/office/drawing/2010/main">
+        <mc:Choice Requires="a14">
           <p:sp>
             <p:nvSpPr>
               <p:cNvPr id="9" name="テキスト プレースホルダー 2">
@@ -10349,7 +10349,7 @@
             </p:txBody>
           </p:sp>
         </mc:Choice>
-        <mc:Fallback>
+        <mc:Fallback xmlns="">
           <p:sp>
             <p:nvSpPr>
               <p:cNvPr id="9" name="テキスト プレースホルダー 2">
@@ -10745,8 +10745,8 @@
           </a:p>
         </p:txBody>
       </p:sp>
-      <mc:AlternateContent xmlns:mc="http://schemas.openxmlformats.org/markup-compatibility/2006">
-        <mc:Choice xmlns:a14="http://schemas.microsoft.com/office/drawing/2010/main" Requires="a14">
+      <mc:AlternateContent xmlns:mc="http://schemas.openxmlformats.org/markup-compatibility/2006" xmlns:a14="http://schemas.microsoft.com/office/drawing/2010/main">
+        <mc:Choice Requires="a14">
           <p:sp>
             <p:nvSpPr>
               <p:cNvPr id="6" name="テキスト ボックス 5">
@@ -10998,7 +10998,7 @@
             </p:txBody>
           </p:sp>
         </mc:Choice>
-        <mc:Fallback>
+        <mc:Fallback xmlns="">
           <p:sp>
             <p:nvSpPr>
               <p:cNvPr id="6" name="テキスト ボックス 5">
@@ -11043,8 +11043,8 @@
           </p:sp>
         </mc:Fallback>
       </mc:AlternateContent>
-      <mc:AlternateContent xmlns:mc="http://schemas.openxmlformats.org/markup-compatibility/2006">
-        <mc:Choice xmlns:a14="http://schemas.microsoft.com/office/drawing/2010/main" Requires="a14">
+      <mc:AlternateContent xmlns:mc="http://schemas.openxmlformats.org/markup-compatibility/2006" xmlns:a14="http://schemas.microsoft.com/office/drawing/2010/main">
+        <mc:Choice Requires="a14">
           <p:sp>
             <p:nvSpPr>
               <p:cNvPr id="7" name="テキスト ボックス 6">
@@ -11350,7 +11350,7 @@
             </p:txBody>
           </p:sp>
         </mc:Choice>
-        <mc:Fallback>
+        <mc:Fallback xmlns="">
           <p:sp>
             <p:nvSpPr>
               <p:cNvPr id="7" name="テキスト ボックス 6">
@@ -11395,8 +11395,8 @@
           </p:sp>
         </mc:Fallback>
       </mc:AlternateContent>
-      <mc:AlternateContent xmlns:mc="http://schemas.openxmlformats.org/markup-compatibility/2006">
-        <mc:Choice xmlns:a14="http://schemas.microsoft.com/office/drawing/2010/main" Requires="a14">
+      <mc:AlternateContent xmlns:mc="http://schemas.openxmlformats.org/markup-compatibility/2006" xmlns:a14="http://schemas.microsoft.com/office/drawing/2010/main">
+        <mc:Choice Requires="a14">
           <p:sp>
             <p:nvSpPr>
               <p:cNvPr id="10" name="テキスト ボックス 9">
@@ -11562,7 +11562,7 @@
             </p:txBody>
           </p:sp>
         </mc:Choice>
-        <mc:Fallback>
+        <mc:Fallback xmlns="">
           <p:sp>
             <p:nvSpPr>
               <p:cNvPr id="10" name="テキスト ボックス 9">
@@ -11607,8 +11607,8 @@
           </p:sp>
         </mc:Fallback>
       </mc:AlternateContent>
-      <mc:AlternateContent xmlns:mc="http://schemas.openxmlformats.org/markup-compatibility/2006">
-        <mc:Choice xmlns:a14="http://schemas.microsoft.com/office/drawing/2010/main" Requires="a14">
+      <mc:AlternateContent xmlns:mc="http://schemas.openxmlformats.org/markup-compatibility/2006" xmlns:a14="http://schemas.microsoft.com/office/drawing/2010/main">
+        <mc:Choice Requires="a14">
           <p:sp>
             <p:nvSpPr>
               <p:cNvPr id="11" name="テキスト ボックス 10">
@@ -11908,7 +11908,7 @@
             </p:txBody>
           </p:sp>
         </mc:Choice>
-        <mc:Fallback>
+        <mc:Fallback xmlns="">
           <p:sp>
             <p:nvSpPr>
               <p:cNvPr id="11" name="テキスト ボックス 10">
@@ -11953,8 +11953,8 @@
           </p:sp>
         </mc:Fallback>
       </mc:AlternateContent>
-      <mc:AlternateContent xmlns:mc="http://schemas.openxmlformats.org/markup-compatibility/2006">
-        <mc:Choice xmlns:a14="http://schemas.microsoft.com/office/drawing/2010/main" Requires="a14">
+      <mc:AlternateContent xmlns:mc="http://schemas.openxmlformats.org/markup-compatibility/2006" xmlns:a14="http://schemas.microsoft.com/office/drawing/2010/main">
+        <mc:Choice Requires="a14">
           <p:sp>
             <p:nvSpPr>
               <p:cNvPr id="12" name="テキスト ボックス 11">
@@ -12260,7 +12260,7 @@
             </p:txBody>
           </p:sp>
         </mc:Choice>
-        <mc:Fallback>
+        <mc:Fallback xmlns="">
           <p:sp>
             <p:nvSpPr>
               <p:cNvPr id="12" name="テキスト ボックス 11">
@@ -12710,8 +12710,8 @@
           </a:p>
         </p:txBody>
       </p:sp>
-      <mc:AlternateContent xmlns:mc="http://schemas.openxmlformats.org/markup-compatibility/2006">
-        <mc:Choice xmlns:a14="http://schemas.microsoft.com/office/drawing/2010/main" Requires="a14">
+      <mc:AlternateContent xmlns:mc="http://schemas.openxmlformats.org/markup-compatibility/2006" xmlns:a14="http://schemas.microsoft.com/office/drawing/2010/main">
+        <mc:Choice Requires="a14">
           <p:sp>
             <p:nvSpPr>
               <p:cNvPr id="8" name="テキスト ボックス 7">
@@ -13894,7 +13894,7 @@
             </p:txBody>
           </p:sp>
         </mc:Choice>
-        <mc:Fallback>
+        <mc:Fallback xmlns="">
           <p:sp>
             <p:nvSpPr>
               <p:cNvPr id="8" name="テキスト ボックス 7">
@@ -13939,8 +13939,8 @@
           </p:sp>
         </mc:Fallback>
       </mc:AlternateContent>
-      <mc:AlternateContent xmlns:mc="http://schemas.openxmlformats.org/markup-compatibility/2006">
-        <mc:Choice xmlns:a14="http://schemas.microsoft.com/office/drawing/2010/main" Requires="a14">
+      <mc:AlternateContent xmlns:mc="http://schemas.openxmlformats.org/markup-compatibility/2006" xmlns:a14="http://schemas.microsoft.com/office/drawing/2010/main">
+        <mc:Choice Requires="a14">
           <p:sp>
             <p:nvSpPr>
               <p:cNvPr id="10" name="テキスト ボックス 9">
@@ -14106,7 +14106,7 @@
             </p:txBody>
           </p:sp>
         </mc:Choice>
-        <mc:Fallback>
+        <mc:Fallback xmlns="">
           <p:sp>
             <p:nvSpPr>
               <p:cNvPr id="10" name="テキスト ボックス 9">
@@ -14151,8 +14151,8 @@
           </p:sp>
         </mc:Fallback>
       </mc:AlternateContent>
-      <mc:AlternateContent xmlns:mc="http://schemas.openxmlformats.org/markup-compatibility/2006">
-        <mc:Choice xmlns:a14="http://schemas.microsoft.com/office/drawing/2010/main" Requires="a14">
+      <mc:AlternateContent xmlns:mc="http://schemas.openxmlformats.org/markup-compatibility/2006" xmlns:a14="http://schemas.microsoft.com/office/drawing/2010/main">
+        <mc:Choice Requires="a14">
           <p:sp>
             <p:nvSpPr>
               <p:cNvPr id="12" name="テキスト ボックス 11">
@@ -14479,7 +14479,7 @@
             </p:txBody>
           </p:sp>
         </mc:Choice>
-        <mc:Fallback>
+        <mc:Fallback xmlns="">
           <p:sp>
             <p:nvSpPr>
               <p:cNvPr id="12" name="テキスト ボックス 11">
@@ -14524,8 +14524,8 @@
           </p:sp>
         </mc:Fallback>
       </mc:AlternateContent>
-      <mc:AlternateContent xmlns:mc="http://schemas.openxmlformats.org/markup-compatibility/2006">
-        <mc:Choice xmlns:a14="http://schemas.microsoft.com/office/drawing/2010/main" Requires="a14">
+      <mc:AlternateContent xmlns:mc="http://schemas.openxmlformats.org/markup-compatibility/2006" xmlns:a14="http://schemas.microsoft.com/office/drawing/2010/main">
+        <mc:Choice Requires="a14">
           <p:sp>
             <p:nvSpPr>
               <p:cNvPr id="13" name="テキスト ボックス 12">
@@ -14726,14 +14726,7 @@
                               <a:latin typeface="Cambria Math" panose="02040503050406030204" pitchFamily="18" charset="0"/>
                               <a:ea typeface="Cambria Math" panose="02040503050406030204" pitchFamily="18" charset="0"/>
                             </a:rPr>
-                            <m:t>𝑤</m:t>
-                          </m:r>
-                          <m:r>
-                            <a:rPr lang="en-US" altLang="ja-JP" sz="1200" i="1">
-                              <a:latin typeface="Cambria Math" panose="02040503050406030204" pitchFamily="18" charset="0"/>
-                              <a:ea typeface="Cambria Math" panose="02040503050406030204" pitchFamily="18" charset="0"/>
-                            </a:rPr>
-                            <m:t>𝑓</m:t>
+                            <m:t>𝑤𝑓</m:t>
                           </m:r>
                           <m:d>
                             <m:dPr>
@@ -15377,7 +15370,7 @@
             </p:txBody>
           </p:sp>
         </mc:Choice>
-        <mc:Fallback>
+        <mc:Fallback xmlns="">
           <p:sp>
             <p:nvSpPr>
               <p:cNvPr id="13" name="テキスト ボックス 12">
@@ -15422,8 +15415,8 @@
           </p:sp>
         </mc:Fallback>
       </mc:AlternateContent>
-      <mc:AlternateContent xmlns:mc="http://schemas.openxmlformats.org/markup-compatibility/2006">
-        <mc:Choice xmlns:a14="http://schemas.microsoft.com/office/drawing/2010/main" Requires="a14">
+      <mc:AlternateContent xmlns:mc="http://schemas.openxmlformats.org/markup-compatibility/2006" xmlns:a14="http://schemas.microsoft.com/office/drawing/2010/main">
+        <mc:Choice Requires="a14">
           <p:sp>
             <p:nvSpPr>
               <p:cNvPr id="15" name="テキスト ボックス 14">
@@ -15744,7 +15737,7 @@
             </p:txBody>
           </p:sp>
         </mc:Choice>
-        <mc:Fallback>
+        <mc:Fallback xmlns="">
           <p:sp>
             <p:nvSpPr>
               <p:cNvPr id="15" name="テキスト ボックス 14">
@@ -15842,7 +15835,7 @@
           <a:p>
             <a:r>
               <a:rPr lang="ja-JP" altLang="en-US" dirty="0"/>
-              <a:t>適合度の景観、</a:t>
+              <a:t>適合度の景観：</a:t>
             </a:r>
             <a:r>
               <a:rPr lang="en-US" altLang="ja-JP" dirty="0"/>
@@ -15882,8 +15875,8 @@
           </a:p>
         </p:txBody>
       </p:sp>
-      <mc:AlternateContent xmlns:mc="http://schemas.openxmlformats.org/markup-compatibility/2006">
-        <mc:Choice xmlns:a14="http://schemas.microsoft.com/office/drawing/2010/main" Requires="a14">
+      <mc:AlternateContent xmlns:mc="http://schemas.openxmlformats.org/markup-compatibility/2006" xmlns:a14="http://schemas.microsoft.com/office/drawing/2010/main">
+        <mc:Choice Requires="a14">
           <p:sp>
             <p:nvSpPr>
               <p:cNvPr id="21" name="テキスト ボックス 20">
@@ -15962,7 +15955,7 @@
             </p:txBody>
           </p:sp>
         </mc:Choice>
-        <mc:Fallback>
+        <mc:Fallback xmlns="">
           <p:sp>
             <p:nvSpPr>
               <p:cNvPr id="21" name="テキスト ボックス 20">
@@ -16043,8 +16036,8 @@
           </a:prstGeom>
         </p:spPr>
       </p:pic>
-      <mc:AlternateContent xmlns:mc="http://schemas.openxmlformats.org/markup-compatibility/2006">
-        <mc:Choice xmlns:a14="http://schemas.microsoft.com/office/drawing/2010/main" Requires="a14">
+      <mc:AlternateContent xmlns:mc="http://schemas.openxmlformats.org/markup-compatibility/2006" xmlns:a14="http://schemas.microsoft.com/office/drawing/2010/main">
+        <mc:Choice Requires="a14">
           <p:sp>
             <p:nvSpPr>
               <p:cNvPr id="29" name="テキスト ボックス 28">
@@ -16151,7 +16144,7 @@
             </p:txBody>
           </p:sp>
         </mc:Choice>
-        <mc:Fallback>
+        <mc:Fallback xmlns="">
           <p:sp>
             <p:nvSpPr>
               <p:cNvPr id="29" name="テキスト ボックス 28">
@@ -16196,8 +16189,8 @@
           </p:sp>
         </mc:Fallback>
       </mc:AlternateContent>
-      <mc:AlternateContent xmlns:mc="http://schemas.openxmlformats.org/markup-compatibility/2006">
-        <mc:Choice xmlns:a14="http://schemas.microsoft.com/office/drawing/2010/main" Requires="a14">
+      <mc:AlternateContent xmlns:mc="http://schemas.openxmlformats.org/markup-compatibility/2006" xmlns:a14="http://schemas.microsoft.com/office/drawing/2010/main">
+        <mc:Choice Requires="a14">
           <p:sp>
             <p:nvSpPr>
               <p:cNvPr id="31" name="テキスト ボックス 30">
@@ -16304,7 +16297,7 @@
             </p:txBody>
           </p:sp>
         </mc:Choice>
-        <mc:Fallback>
+        <mc:Fallback xmlns="">
           <p:sp>
             <p:nvSpPr>
               <p:cNvPr id="31" name="テキスト ボックス 30">
@@ -16349,8 +16342,8 @@
           </p:sp>
         </mc:Fallback>
       </mc:AlternateContent>
-      <mc:AlternateContent xmlns:mc="http://schemas.openxmlformats.org/markup-compatibility/2006">
-        <mc:Choice xmlns:a14="http://schemas.microsoft.com/office/drawing/2010/main" Requires="a14">
+      <mc:AlternateContent xmlns:mc="http://schemas.openxmlformats.org/markup-compatibility/2006" xmlns:a14="http://schemas.microsoft.com/office/drawing/2010/main">
+        <mc:Choice Requires="a14">
           <p:sp>
             <p:nvSpPr>
               <p:cNvPr id="32" name="テキスト ボックス 31">
@@ -16457,7 +16450,7 @@
             </p:txBody>
           </p:sp>
         </mc:Choice>
-        <mc:Fallback>
+        <mc:Fallback xmlns="">
           <p:sp>
             <p:nvSpPr>
               <p:cNvPr id="32" name="テキスト ボックス 31">
@@ -16502,8 +16495,8 @@
           </p:sp>
         </mc:Fallback>
       </mc:AlternateContent>
-      <mc:AlternateContent xmlns:mc="http://schemas.openxmlformats.org/markup-compatibility/2006">
-        <mc:Choice xmlns:a14="http://schemas.microsoft.com/office/drawing/2010/main" Requires="a14">
+      <mc:AlternateContent xmlns:mc="http://schemas.openxmlformats.org/markup-compatibility/2006" xmlns:a14="http://schemas.microsoft.com/office/drawing/2010/main">
+        <mc:Choice Requires="a14">
           <p:sp>
             <p:nvSpPr>
               <p:cNvPr id="33" name="テキスト ボックス 32">
@@ -16610,7 +16603,7 @@
             </p:txBody>
           </p:sp>
         </mc:Choice>
-        <mc:Fallback>
+        <mc:Fallback xmlns="">
           <p:sp>
             <p:nvSpPr>
               <p:cNvPr id="33" name="テキスト ボックス 32">
@@ -16655,8 +16648,8 @@
           </p:sp>
         </mc:Fallback>
       </mc:AlternateContent>
-      <mc:AlternateContent xmlns:mc="http://schemas.openxmlformats.org/markup-compatibility/2006">
-        <mc:Choice xmlns:a14="http://schemas.microsoft.com/office/drawing/2010/main" Requires="a14">
+      <mc:AlternateContent xmlns:mc="http://schemas.openxmlformats.org/markup-compatibility/2006" xmlns:a14="http://schemas.microsoft.com/office/drawing/2010/main">
+        <mc:Choice Requires="a14">
           <p:sp>
             <p:nvSpPr>
               <p:cNvPr id="34" name="テキスト ボックス 33">
@@ -16717,14 +16710,7 @@
                         <a:latin typeface="Cambria Math" panose="02040503050406030204" pitchFamily="18" charset="0"/>
                         <a:ea typeface="Cambria Math" panose="02040503050406030204" pitchFamily="18" charset="0"/>
                       </a:rPr>
-                      <m:t>0</m:t>
-                    </m:r>
-                    <m:r>
-                      <a:rPr lang="en-US" altLang="ja-JP" b="0" i="1" smtClean="0">
-                        <a:latin typeface="Cambria Math" panose="02040503050406030204" pitchFamily="18" charset="0"/>
-                        <a:ea typeface="Cambria Math" panose="02040503050406030204" pitchFamily="18" charset="0"/>
-                      </a:rPr>
-                      <m:t>,</m:t>
+                      <m:t>0,</m:t>
                     </m:r>
                     <m:r>
                       <a:rPr lang="en-US" altLang="ja-JP" i="1" smtClean="0">
@@ -16803,7 +16789,7 @@
             </p:txBody>
           </p:sp>
         </mc:Choice>
-        <mc:Fallback>
+        <mc:Fallback xmlns="">
           <p:sp>
             <p:nvSpPr>
               <p:cNvPr id="34" name="テキスト ボックス 33">
@@ -16992,8 +16978,8 @@
           </a:prstGeom>
         </p:spPr>
       </p:pic>
-      <mc:AlternateContent xmlns:mc="http://schemas.openxmlformats.org/markup-compatibility/2006">
-        <mc:Choice xmlns:a14="http://schemas.microsoft.com/office/drawing/2010/main" Requires="a14">
+      <mc:AlternateContent xmlns:mc="http://schemas.openxmlformats.org/markup-compatibility/2006" xmlns:a14="http://schemas.microsoft.com/office/drawing/2010/main">
+        <mc:Choice Requires="a14">
           <p:sp>
             <p:nvSpPr>
               <p:cNvPr id="17" name="テキスト ボックス 16">
@@ -17050,7 +17036,7 @@
             </p:txBody>
           </p:sp>
         </mc:Choice>
-        <mc:Fallback>
+        <mc:Fallback xmlns="">
           <p:sp>
             <p:nvSpPr>
               <p:cNvPr id="17" name="テキスト ボックス 16">
@@ -17328,7 +17314,7 @@
           <a:p>
             <a:r>
               <a:rPr lang="ja-JP" altLang="en-US" dirty="0"/>
-              <a:t>適合度の景観、</a:t>
+              <a:t>適合度の景観：</a:t>
             </a:r>
             <a:r>
               <a:rPr lang="en-US" altLang="ja-JP" dirty="0" err="1"/>
@@ -17372,8 +17358,8 @@
           </a:p>
         </p:txBody>
       </p:sp>
-      <mc:AlternateContent xmlns:mc="http://schemas.openxmlformats.org/markup-compatibility/2006">
-        <mc:Choice xmlns:a14="http://schemas.microsoft.com/office/drawing/2010/main" Requires="a14">
+      <mc:AlternateContent xmlns:mc="http://schemas.openxmlformats.org/markup-compatibility/2006" xmlns:a14="http://schemas.microsoft.com/office/drawing/2010/main">
+        <mc:Choice Requires="a14">
           <p:sp>
             <p:nvSpPr>
               <p:cNvPr id="21" name="テキスト ボックス 20">
@@ -17452,7 +17438,7 @@
             </p:txBody>
           </p:sp>
         </mc:Choice>
-        <mc:Fallback>
+        <mc:Fallback xmlns="">
           <p:sp>
             <p:nvSpPr>
               <p:cNvPr id="21" name="テキスト ボックス 20">
@@ -17497,8 +17483,8 @@
           </p:sp>
         </mc:Fallback>
       </mc:AlternateContent>
-      <mc:AlternateContent xmlns:mc="http://schemas.openxmlformats.org/markup-compatibility/2006">
-        <mc:Choice xmlns:a14="http://schemas.microsoft.com/office/drawing/2010/main" Requires="a14">
+      <mc:AlternateContent xmlns:mc="http://schemas.openxmlformats.org/markup-compatibility/2006" xmlns:a14="http://schemas.microsoft.com/office/drawing/2010/main">
+        <mc:Choice Requires="a14">
           <p:sp>
             <p:nvSpPr>
               <p:cNvPr id="29" name="テキスト ボックス 28">
@@ -17605,7 +17591,7 @@
             </p:txBody>
           </p:sp>
         </mc:Choice>
-        <mc:Fallback>
+        <mc:Fallback xmlns="">
           <p:sp>
             <p:nvSpPr>
               <p:cNvPr id="29" name="テキスト ボックス 28">
@@ -17650,8 +17636,8 @@
           </p:sp>
         </mc:Fallback>
       </mc:AlternateContent>
-      <mc:AlternateContent xmlns:mc="http://schemas.openxmlformats.org/markup-compatibility/2006">
-        <mc:Choice xmlns:a14="http://schemas.microsoft.com/office/drawing/2010/main" Requires="a14">
+      <mc:AlternateContent xmlns:mc="http://schemas.openxmlformats.org/markup-compatibility/2006" xmlns:a14="http://schemas.microsoft.com/office/drawing/2010/main">
+        <mc:Choice Requires="a14">
           <p:sp>
             <p:nvSpPr>
               <p:cNvPr id="31" name="テキスト ボックス 30">
@@ -17758,7 +17744,7 @@
             </p:txBody>
           </p:sp>
         </mc:Choice>
-        <mc:Fallback>
+        <mc:Fallback xmlns="">
           <p:sp>
             <p:nvSpPr>
               <p:cNvPr id="31" name="テキスト ボックス 30">
@@ -17803,8 +17789,8 @@
           </p:sp>
         </mc:Fallback>
       </mc:AlternateContent>
-      <mc:AlternateContent xmlns:mc="http://schemas.openxmlformats.org/markup-compatibility/2006">
-        <mc:Choice xmlns:a14="http://schemas.microsoft.com/office/drawing/2010/main" Requires="a14">
+      <mc:AlternateContent xmlns:mc="http://schemas.openxmlformats.org/markup-compatibility/2006" xmlns:a14="http://schemas.microsoft.com/office/drawing/2010/main">
+        <mc:Choice Requires="a14">
           <p:sp>
             <p:nvSpPr>
               <p:cNvPr id="32" name="テキスト ボックス 31">
@@ -17911,7 +17897,7 @@
             </p:txBody>
           </p:sp>
         </mc:Choice>
-        <mc:Fallback>
+        <mc:Fallback xmlns="">
           <p:sp>
             <p:nvSpPr>
               <p:cNvPr id="32" name="テキスト ボックス 31">
@@ -17956,8 +17942,8 @@
           </p:sp>
         </mc:Fallback>
       </mc:AlternateContent>
-      <mc:AlternateContent xmlns:mc="http://schemas.openxmlformats.org/markup-compatibility/2006">
-        <mc:Choice xmlns:a14="http://schemas.microsoft.com/office/drawing/2010/main" Requires="a14">
+      <mc:AlternateContent xmlns:mc="http://schemas.openxmlformats.org/markup-compatibility/2006" xmlns:a14="http://schemas.microsoft.com/office/drawing/2010/main">
+        <mc:Choice Requires="a14">
           <p:sp>
             <p:nvSpPr>
               <p:cNvPr id="33" name="テキスト ボックス 32">
@@ -18064,7 +18050,7 @@
             </p:txBody>
           </p:sp>
         </mc:Choice>
-        <mc:Fallback>
+        <mc:Fallback xmlns="">
           <p:sp>
             <p:nvSpPr>
               <p:cNvPr id="33" name="テキスト ボックス 32">
@@ -18109,8 +18095,8 @@
           </p:sp>
         </mc:Fallback>
       </mc:AlternateContent>
-      <mc:AlternateContent xmlns:mc="http://schemas.openxmlformats.org/markup-compatibility/2006">
-        <mc:Choice xmlns:a14="http://schemas.microsoft.com/office/drawing/2010/main" Requires="a14">
+      <mc:AlternateContent xmlns:mc="http://schemas.openxmlformats.org/markup-compatibility/2006" xmlns:a14="http://schemas.microsoft.com/office/drawing/2010/main">
+        <mc:Choice Requires="a14">
           <p:sp>
             <p:nvSpPr>
               <p:cNvPr id="34" name="テキスト ボックス 33">
@@ -18171,14 +18157,7 @@
                         <a:latin typeface="Cambria Math" panose="02040503050406030204" pitchFamily="18" charset="0"/>
                         <a:ea typeface="Cambria Math" panose="02040503050406030204" pitchFamily="18" charset="0"/>
                       </a:rPr>
-                      <m:t>0</m:t>
-                    </m:r>
-                    <m:r>
-                      <a:rPr lang="en-US" altLang="ja-JP" b="0" i="1" smtClean="0">
-                        <a:latin typeface="Cambria Math" panose="02040503050406030204" pitchFamily="18" charset="0"/>
-                        <a:ea typeface="Cambria Math" panose="02040503050406030204" pitchFamily="18" charset="0"/>
-                      </a:rPr>
-                      <m:t>,</m:t>
+                      <m:t>0,</m:t>
                     </m:r>
                     <m:r>
                       <a:rPr lang="en-US" altLang="ja-JP" i="1" smtClean="0">
@@ -18257,7 +18236,7 @@
             </p:txBody>
           </p:sp>
         </mc:Choice>
-        <mc:Fallback>
+        <mc:Fallback xmlns="">
           <p:sp>
             <p:nvSpPr>
               <p:cNvPr id="34" name="テキスト ボックス 33">
@@ -18302,8 +18281,8 @@
           </p:sp>
         </mc:Fallback>
       </mc:AlternateContent>
-      <mc:AlternateContent xmlns:mc="http://schemas.openxmlformats.org/markup-compatibility/2006">
-        <mc:Choice xmlns:a14="http://schemas.microsoft.com/office/drawing/2010/main" Requires="a14">
+      <mc:AlternateContent xmlns:mc="http://schemas.openxmlformats.org/markup-compatibility/2006" xmlns:a14="http://schemas.microsoft.com/office/drawing/2010/main">
+        <mc:Choice Requires="a14">
           <p:sp>
             <p:nvSpPr>
               <p:cNvPr id="35" name="テキスト ボックス 34">
@@ -18368,7 +18347,7 @@
             </p:txBody>
           </p:sp>
         </mc:Choice>
-        <mc:Fallback>
+        <mc:Fallback xmlns="">
           <p:sp>
             <p:nvSpPr>
               <p:cNvPr id="35" name="テキスト ボックス 34">
@@ -18826,7 +18805,7 @@
           <a:p>
             <a:r>
               <a:rPr lang="ja-JP" altLang="en-US" dirty="0"/>
-              <a:t>基準点の影響（計算）</a:t>
+              <a:t>適合度の景観とパレートフロンティア</a:t>
             </a:r>
             <a:endParaRPr lang="en-US" dirty="0"/>
           </a:p>
@@ -18862,12 +18841,192 @@
           </a:p>
         </p:txBody>
       </p:sp>
+      <p:pic>
+        <p:nvPicPr>
+          <p:cNvPr id="7" name="図 6" descr="ダイアグラム&#10;&#10;自動的に生成された説明">
+            <a:extLst>
+              <a:ext uri="{FF2B5EF4-FFF2-40B4-BE49-F238E27FC236}">
+                <a16:creationId xmlns:a16="http://schemas.microsoft.com/office/drawing/2014/main" id="{1EAE0E55-5B41-4376-B8C3-8F5E8394E36B}"/>
+              </a:ext>
+            </a:extLst>
+          </p:cNvPr>
+          <p:cNvPicPr>
+            <a:picLocks noChangeAspect="1"/>
+          </p:cNvPicPr>
+          <p:nvPr/>
+        </p:nvPicPr>
+        <p:blipFill>
+          <a:blip r:embed="rId2">
+            <a:extLst>
+              <a:ext uri="{28A0092B-C50C-407E-A947-70E740481C1C}">
+                <a14:useLocalDpi xmlns:a14="http://schemas.microsoft.com/office/drawing/2010/main" val="0"/>
+              </a:ext>
+            </a:extLst>
+          </a:blip>
+          <a:stretch>
+            <a:fillRect/>
+          </a:stretch>
+        </p:blipFill>
+        <p:spPr>
+          <a:xfrm>
+            <a:off x="1408316" y="2122979"/>
+            <a:ext cx="3680718" cy="3680718"/>
+          </a:xfrm>
+          <a:prstGeom prst="rect">
+            <a:avLst/>
+          </a:prstGeom>
+        </p:spPr>
+      </p:pic>
+      <p:pic>
+        <p:nvPicPr>
+          <p:cNvPr id="10" name="図 9" descr="グラフ&#10;&#10;自動的に生成された説明">
+            <a:extLst>
+              <a:ext uri="{FF2B5EF4-FFF2-40B4-BE49-F238E27FC236}">
+                <a16:creationId xmlns:a16="http://schemas.microsoft.com/office/drawing/2014/main" id="{74820ACA-F41B-40C7-8F6C-614D30BFAB3C}"/>
+              </a:ext>
+            </a:extLst>
+          </p:cNvPr>
+          <p:cNvPicPr>
+            <a:picLocks noChangeAspect="1"/>
+          </p:cNvPicPr>
+          <p:nvPr/>
+        </p:nvPicPr>
+        <p:blipFill>
+          <a:blip r:embed="rId3">
+            <a:extLst>
+              <a:ext uri="{28A0092B-C50C-407E-A947-70E740481C1C}">
+                <a14:useLocalDpi xmlns:a14="http://schemas.microsoft.com/office/drawing/2010/main" val="0"/>
+              </a:ext>
+            </a:extLst>
+          </a:blip>
+          <a:stretch>
+            <a:fillRect/>
+          </a:stretch>
+        </p:blipFill>
+        <p:spPr>
+          <a:xfrm>
+            <a:off x="6907875" y="2122979"/>
+            <a:ext cx="3680718" cy="3680718"/>
+          </a:xfrm>
+          <a:prstGeom prst="rect">
+            <a:avLst/>
+          </a:prstGeom>
+        </p:spPr>
+      </p:pic>
       <p:sp>
         <p:nvSpPr>
-          <p:cNvPr id="9" name="テキスト プレースホルダー 2">
+          <p:cNvPr id="19" name="テキスト ボックス 18">
             <a:extLst>
               <a:ext uri="{FF2B5EF4-FFF2-40B4-BE49-F238E27FC236}">
-                <a16:creationId xmlns:a16="http://schemas.microsoft.com/office/drawing/2014/main" id="{064747C6-D9AC-47D6-95CA-D74503C0501A}"/>
+                <a16:creationId xmlns:a16="http://schemas.microsoft.com/office/drawing/2014/main" id="{4106055D-A064-4D77-8A64-1F33DE344EF8}"/>
+              </a:ext>
+            </a:extLst>
+          </p:cNvPr>
+          <p:cNvSpPr txBox="1"/>
+          <p:nvPr/>
+        </p:nvSpPr>
+        <p:spPr>
+          <a:xfrm>
+            <a:off x="3248675" y="5758095"/>
+            <a:ext cx="6243741" cy="338554"/>
+          </a:xfrm>
+          <a:prstGeom prst="rect">
+            <a:avLst/>
+          </a:prstGeom>
+          <a:noFill/>
+        </p:spPr>
+        <p:txBody>
+          <a:bodyPr wrap="square" rtlCol="0">
+            <a:spAutoFit/>
+          </a:bodyPr>
+          <a:lstStyle/>
+          <a:p>
+            <a:pPr algn="ctr"/>
+            <a:r>
+              <a:rPr lang="ja-JP" altLang="en-US" sz="1600" dirty="0"/>
+              <a:t>重みが近い領域は同じスカラ化関数として描画した</a:t>
+            </a:r>
+          </a:p>
+        </p:txBody>
+      </p:sp>
+      <p:sp>
+        <p:nvSpPr>
+          <p:cNvPr id="20" name="テキスト ボックス 19">
+            <a:extLst>
+              <a:ext uri="{FF2B5EF4-FFF2-40B4-BE49-F238E27FC236}">
+                <a16:creationId xmlns:a16="http://schemas.microsoft.com/office/drawing/2014/main" id="{DC0516CF-32EC-4BA4-9991-8C69E7683245}"/>
+              </a:ext>
+            </a:extLst>
+          </p:cNvPr>
+          <p:cNvSpPr txBox="1"/>
+          <p:nvPr/>
+        </p:nvSpPr>
+        <p:spPr>
+          <a:xfrm>
+            <a:off x="915416" y="1638956"/>
+            <a:ext cx="4666518" cy="338554"/>
+          </a:xfrm>
+          <a:prstGeom prst="rect">
+            <a:avLst/>
+          </a:prstGeom>
+          <a:noFill/>
+        </p:spPr>
+        <p:txBody>
+          <a:bodyPr wrap="square" rtlCol="0">
+            <a:spAutoFit/>
+          </a:bodyPr>
+          <a:lstStyle/>
+          <a:p>
+            <a:pPr algn="ctr"/>
+            <a:r>
+              <a:rPr lang="ja-JP" altLang="en-US" sz="1600" dirty="0"/>
+              <a:t>スケールが等しい場合、フロンティアを一様に近似できる</a:t>
+            </a:r>
+          </a:p>
+        </p:txBody>
+      </p:sp>
+      <p:sp>
+        <p:nvSpPr>
+          <p:cNvPr id="21" name="テキスト ボックス 20">
+            <a:extLst>
+              <a:ext uri="{FF2B5EF4-FFF2-40B4-BE49-F238E27FC236}">
+                <a16:creationId xmlns:a16="http://schemas.microsoft.com/office/drawing/2014/main" id="{BD0B2BF3-C9C1-48C2-A53D-A568F8BDF20E}"/>
+              </a:ext>
+            </a:extLst>
+          </p:cNvPr>
+          <p:cNvSpPr txBox="1"/>
+          <p:nvPr/>
+        </p:nvSpPr>
+        <p:spPr>
+          <a:xfrm>
+            <a:off x="6414974" y="1638956"/>
+            <a:ext cx="4861609" cy="338554"/>
+          </a:xfrm>
+          <a:prstGeom prst="rect">
+            <a:avLst/>
+          </a:prstGeom>
+          <a:noFill/>
+        </p:spPr>
+        <p:txBody>
+          <a:bodyPr wrap="square" rtlCol="0">
+            <a:spAutoFit/>
+          </a:bodyPr>
+          <a:lstStyle/>
+          <a:p>
+            <a:pPr algn="ctr"/>
+            <a:r>
+              <a:rPr lang="ja-JP" altLang="en-US" sz="1600" dirty="0"/>
+              <a:t>スケール差が大きい場合、フロンティアの近似が偏る</a:t>
+            </a:r>
+          </a:p>
+        </p:txBody>
+      </p:sp>
+      <p:sp>
+        <p:nvSpPr>
+          <p:cNvPr id="22" name="テキスト プレースホルダー 2">
+            <a:extLst>
+              <a:ext uri="{FF2B5EF4-FFF2-40B4-BE49-F238E27FC236}">
+                <a16:creationId xmlns:a16="http://schemas.microsoft.com/office/drawing/2014/main" id="{428C0869-257F-4B3B-8961-603BAAD54479}"/>
               </a:ext>
             </a:extLst>
           </p:cNvPr>
@@ -18878,8 +19037,8 @@
         </p:nvSpPr>
         <p:spPr>
           <a:xfrm>
-            <a:off x="517054" y="1160266"/>
-            <a:ext cx="11400125" cy="1863153"/>
+            <a:off x="517054" y="1119323"/>
+            <a:ext cx="11400125" cy="518094"/>
           </a:xfrm>
           <a:prstGeom prst="rect">
             <a:avLst/>
@@ -19066,2631 +19225,10 @@
               <a:defRPr/>
             </a:pPr>
             <a:r>
-              <a:rPr lang="en-US" altLang="ja-JP" dirty="0" err="1"/>
-              <a:t>Fk</a:t>
-            </a:r>
-            <a:r>
-              <a:rPr lang="en-US" altLang="ja-JP" dirty="0"/>
-              <a:t>(x)=(1/sqrt(2)|x-x*k|)^2</a:t>
-            </a:r>
-          </a:p>
-          <a:p>
-            <a:pPr>
-              <a:defRPr/>
-            </a:pPr>
+              <a:rPr lang="ja-JP" altLang="en-US" dirty="0"/>
+              <a:t>スケール差が大きいとき、フロンティア（の一部）を意図通りに近似する能力が下がる</a:t>
+            </a:r>
             <a:endParaRPr lang="en-US" altLang="ja-JP" dirty="0"/>
-          </a:p>
-          <a:p>
-            <a:pPr>
-              <a:defRPr/>
-            </a:pPr>
-            <a:endParaRPr lang="en-US" altLang="ja-JP" dirty="0"/>
-          </a:p>
-          <a:p>
-            <a:pPr>
-              <a:defRPr/>
-            </a:pPr>
-            <a:r>
-              <a:rPr lang="en-US" altLang="ja-JP" dirty="0"/>
-              <a:t>y=(x-1)^2 (1,0)</a:t>
-            </a:r>
-          </a:p>
-          <a:p>
-            <a:pPr marL="0" indent="0">
-              <a:buNone/>
-              <a:defRPr/>
-            </a:pPr>
-            <a:endParaRPr lang="en-US" altLang="ja-JP" dirty="0"/>
-          </a:p>
-          <a:p>
-            <a:pPr>
-              <a:defRPr/>
-            </a:pPr>
-            <a:endParaRPr lang="en-US" altLang="ja-JP" dirty="0"/>
-          </a:p>
-          <a:p>
-            <a:pPr>
-              <a:defRPr/>
-            </a:pPr>
-            <a:endParaRPr lang="en-US" altLang="ja-JP" dirty="0"/>
-          </a:p>
-          <a:p>
-            <a:pPr>
-              <a:defRPr/>
-            </a:pPr>
-            <a:r>
-              <a:rPr lang="en-US" altLang="ja-JP" dirty="0" err="1"/>
-              <a:t>Tchebycheff</a:t>
-            </a:r>
-            <a:r>
-              <a:rPr lang="ja-JP" altLang="en-US" dirty="0"/>
-              <a:t> </a:t>
-            </a:r>
-            <a:r>
-              <a:rPr lang="en-US" altLang="ja-JP" dirty="0"/>
-              <a:t>Norm</a:t>
-            </a:r>
-          </a:p>
-        </p:txBody>
-      </p:sp>
-      <mc:AlternateContent xmlns:mc="http://schemas.openxmlformats.org/markup-compatibility/2006">
-        <mc:Choice xmlns:a14="http://schemas.microsoft.com/office/drawing/2010/main" Requires="a14">
-          <p:sp>
-            <p:nvSpPr>
-              <p:cNvPr id="12" name="テキスト ボックス 11">
-                <a:extLst>
-                  <a:ext uri="{FF2B5EF4-FFF2-40B4-BE49-F238E27FC236}">
-                    <a16:creationId xmlns:a16="http://schemas.microsoft.com/office/drawing/2014/main" id="{16023AD0-7C00-4A7B-A2E4-12AEF68633D1}"/>
-                  </a:ext>
-                </a:extLst>
-              </p:cNvPr>
-              <p:cNvSpPr txBox="1"/>
-              <p:nvPr/>
-            </p:nvSpPr>
-            <p:spPr>
-              <a:xfrm>
-                <a:off x="1129478" y="4554239"/>
-                <a:ext cx="9588912" cy="369332"/>
-              </a:xfrm>
-              <a:prstGeom prst="rect">
-                <a:avLst/>
-              </a:prstGeom>
-              <a:noFill/>
-            </p:spPr>
-            <p:txBody>
-              <a:bodyPr wrap="square" rtlCol="0">
-                <a:spAutoFit/>
-              </a:bodyPr>
-              <a:lstStyle/>
-              <a:p>
-                <a14:m>
-                  <m:oMath xmlns:m="http://schemas.openxmlformats.org/officeDocument/2006/math">
-                    <m:sSup>
-                      <m:sSupPr>
-                        <m:ctrlPr>
-                          <a:rPr lang="en-US" altLang="ja-JP" i="1">
-                            <a:latin typeface="Cambria Math" panose="02040503050406030204" pitchFamily="18" charset="0"/>
-                            <a:ea typeface="Cambria Math" panose="02040503050406030204" pitchFamily="18" charset="0"/>
-                          </a:rPr>
-                        </m:ctrlPr>
-                      </m:sSupPr>
-                      <m:e>
-                        <m:r>
-                          <a:rPr lang="en-US" altLang="ja-JP" i="1">
-                            <a:latin typeface="Cambria Math" panose="02040503050406030204" pitchFamily="18" charset="0"/>
-                            <a:ea typeface="Cambria Math" panose="02040503050406030204" pitchFamily="18" charset="0"/>
-                          </a:rPr>
-                          <m:t>𝑆</m:t>
-                        </m:r>
-                      </m:e>
-                      <m:sup>
-                        <m:r>
-                          <a:rPr lang="en-US" altLang="ja-JP" i="1">
-                            <a:latin typeface="Cambria Math" panose="02040503050406030204" pitchFamily="18" charset="0"/>
-                            <a:ea typeface="Cambria Math" panose="02040503050406030204" pitchFamily="18" charset="0"/>
-                          </a:rPr>
-                          <m:t>1</m:t>
-                        </m:r>
-                      </m:sup>
-                    </m:sSup>
-                    <m:d>
-                      <m:dPr>
-                        <m:ctrlPr>
-                          <a:rPr lang="en-US" altLang="ja-JP" i="1">
-                            <a:latin typeface="Cambria Math" panose="02040503050406030204" pitchFamily="18" charset="0"/>
-                            <a:ea typeface="Cambria Math" panose="02040503050406030204" pitchFamily="18" charset="0"/>
-                          </a:rPr>
-                        </m:ctrlPr>
-                      </m:dPr>
-                      <m:e>
-                        <m:r>
-                          <a:rPr lang="en-US" altLang="ja-JP" b="1" i="1">
-                            <a:latin typeface="Cambria Math" panose="02040503050406030204" pitchFamily="18" charset="0"/>
-                            <a:ea typeface="Cambria Math" panose="02040503050406030204" pitchFamily="18" charset="0"/>
-                          </a:rPr>
-                          <m:t>𝒙</m:t>
-                        </m:r>
-                        <m:r>
-                          <a:rPr lang="en-US" altLang="ja-JP" i="1">
-                            <a:latin typeface="Cambria Math" panose="02040503050406030204" pitchFamily="18" charset="0"/>
-                            <a:ea typeface="Cambria Math" panose="02040503050406030204" pitchFamily="18" charset="0"/>
-                          </a:rPr>
-                          <m:t>;</m:t>
-                        </m:r>
-                        <m:r>
-                          <a:rPr lang="en-US" altLang="ja-JP" i="1">
-                            <a:latin typeface="Cambria Math" panose="02040503050406030204" pitchFamily="18" charset="0"/>
-                            <a:ea typeface="Cambria Math" panose="02040503050406030204" pitchFamily="18" charset="0"/>
-                          </a:rPr>
-                          <m:t>𝑤</m:t>
-                        </m:r>
-                      </m:e>
-                    </m:d>
-                    <m:r>
-                      <a:rPr lang="en-US" altLang="ja-JP" i="1">
-                        <a:latin typeface="Cambria Math" panose="02040503050406030204" pitchFamily="18" charset="0"/>
-                        <a:ea typeface="Cambria Math" panose="02040503050406030204" pitchFamily="18" charset="0"/>
-                      </a:rPr>
-                      <m:t>&gt;</m:t>
-                    </m:r>
-                    <m:sSup>
-                      <m:sSupPr>
-                        <m:ctrlPr>
-                          <a:rPr lang="en-US" altLang="ja-JP" i="1">
-                            <a:latin typeface="Cambria Math" panose="02040503050406030204" pitchFamily="18" charset="0"/>
-                            <a:ea typeface="Cambria Math" panose="02040503050406030204" pitchFamily="18" charset="0"/>
-                          </a:rPr>
-                        </m:ctrlPr>
-                      </m:sSupPr>
-                      <m:e>
-                        <m:r>
-                          <a:rPr lang="en-US" altLang="ja-JP" i="1">
-                            <a:latin typeface="Cambria Math" panose="02040503050406030204" pitchFamily="18" charset="0"/>
-                            <a:ea typeface="Cambria Math" panose="02040503050406030204" pitchFamily="18" charset="0"/>
-                          </a:rPr>
-                          <m:t>𝑆</m:t>
-                        </m:r>
-                      </m:e>
-                      <m:sup>
-                        <m:r>
-                          <a:rPr lang="en-US" altLang="ja-JP" i="1">
-                            <a:latin typeface="Cambria Math" panose="02040503050406030204" pitchFamily="18" charset="0"/>
-                            <a:ea typeface="Cambria Math" panose="02040503050406030204" pitchFamily="18" charset="0"/>
-                          </a:rPr>
-                          <m:t>1</m:t>
-                        </m:r>
-                      </m:sup>
-                    </m:sSup>
-                    <m:d>
-                      <m:dPr>
-                        <m:ctrlPr>
-                          <a:rPr lang="en-US" altLang="ja-JP" i="1">
-                            <a:latin typeface="Cambria Math" panose="02040503050406030204" pitchFamily="18" charset="0"/>
-                            <a:ea typeface="Cambria Math" panose="02040503050406030204" pitchFamily="18" charset="0"/>
-                          </a:rPr>
-                        </m:ctrlPr>
-                      </m:dPr>
-                      <m:e>
-                        <m:r>
-                          <a:rPr lang="en-US" altLang="ja-JP" b="1" i="1">
-                            <a:latin typeface="Cambria Math" panose="02040503050406030204" pitchFamily="18" charset="0"/>
-                            <a:ea typeface="Cambria Math" panose="02040503050406030204" pitchFamily="18" charset="0"/>
-                          </a:rPr>
-                          <m:t>𝒚</m:t>
-                        </m:r>
-                        <m:r>
-                          <a:rPr lang="en-US" altLang="ja-JP" i="1">
-                            <a:latin typeface="Cambria Math" panose="02040503050406030204" pitchFamily="18" charset="0"/>
-                            <a:ea typeface="Cambria Math" panose="02040503050406030204" pitchFamily="18" charset="0"/>
-                          </a:rPr>
-                          <m:t>;</m:t>
-                        </m:r>
-                        <m:r>
-                          <a:rPr lang="en-US" altLang="ja-JP" i="1">
-                            <a:latin typeface="Cambria Math" panose="02040503050406030204" pitchFamily="18" charset="0"/>
-                            <a:ea typeface="Cambria Math" panose="02040503050406030204" pitchFamily="18" charset="0"/>
-                          </a:rPr>
-                          <m:t>𝑤</m:t>
-                        </m:r>
-                      </m:e>
-                    </m:d>
-                    <m:r>
-                      <a:rPr lang="en-US" altLang="ja-JP" i="1">
-                        <a:latin typeface="Cambria Math" panose="02040503050406030204" pitchFamily="18" charset="0"/>
-                        <a:ea typeface="Cambria Math" panose="02040503050406030204" pitchFamily="18" charset="0"/>
-                      </a:rPr>
-                      <m:t>⇔</m:t>
-                    </m:r>
-                    <m:sSup>
-                      <m:sSupPr>
-                        <m:ctrlPr>
-                          <a:rPr lang="en-US" altLang="ja-JP" i="1">
-                            <a:latin typeface="Cambria Math" panose="02040503050406030204" pitchFamily="18" charset="0"/>
-                            <a:ea typeface="Cambria Math" panose="02040503050406030204" pitchFamily="18" charset="0"/>
-                          </a:rPr>
-                        </m:ctrlPr>
-                      </m:sSupPr>
-                      <m:e>
-                        <m:r>
-                          <a:rPr lang="en-US" altLang="ja-JP" i="1">
-                            <a:latin typeface="Cambria Math" panose="02040503050406030204" pitchFamily="18" charset="0"/>
-                            <a:ea typeface="Cambria Math" panose="02040503050406030204" pitchFamily="18" charset="0"/>
-                          </a:rPr>
-                          <m:t>𝑆</m:t>
-                        </m:r>
-                      </m:e>
-                      <m:sup>
-                        <m:r>
-                          <a:rPr lang="en-US" altLang="ja-JP" i="1">
-                            <a:latin typeface="Cambria Math" panose="02040503050406030204" pitchFamily="18" charset="0"/>
-                            <a:ea typeface="Cambria Math" panose="02040503050406030204" pitchFamily="18" charset="0"/>
-                          </a:rPr>
-                          <m:t>2</m:t>
-                        </m:r>
-                      </m:sup>
-                    </m:sSup>
-                    <m:d>
-                      <m:dPr>
-                        <m:ctrlPr>
-                          <a:rPr lang="en-US" altLang="ja-JP" i="1">
-                            <a:latin typeface="Cambria Math" panose="02040503050406030204" pitchFamily="18" charset="0"/>
-                            <a:ea typeface="Cambria Math" panose="02040503050406030204" pitchFamily="18" charset="0"/>
-                          </a:rPr>
-                        </m:ctrlPr>
-                      </m:dPr>
-                      <m:e>
-                        <m:r>
-                          <a:rPr lang="en-US" altLang="ja-JP" b="1" i="1">
-                            <a:latin typeface="Cambria Math" panose="02040503050406030204" pitchFamily="18" charset="0"/>
-                            <a:ea typeface="Cambria Math" panose="02040503050406030204" pitchFamily="18" charset="0"/>
-                          </a:rPr>
-                          <m:t>𝒙</m:t>
-                        </m:r>
-                        <m:r>
-                          <a:rPr lang="en-US" altLang="ja-JP" i="1">
-                            <a:latin typeface="Cambria Math" panose="02040503050406030204" pitchFamily="18" charset="0"/>
-                            <a:ea typeface="Cambria Math" panose="02040503050406030204" pitchFamily="18" charset="0"/>
-                          </a:rPr>
-                          <m:t>;</m:t>
-                        </m:r>
-                        <m:r>
-                          <a:rPr lang="en-US" altLang="ja-JP" i="1">
-                            <a:latin typeface="Cambria Math" panose="02040503050406030204" pitchFamily="18" charset="0"/>
-                            <a:ea typeface="Cambria Math" panose="02040503050406030204" pitchFamily="18" charset="0"/>
-                          </a:rPr>
-                          <m:t>𝑤</m:t>
-                        </m:r>
-                      </m:e>
-                    </m:d>
-                    <m:r>
-                      <a:rPr lang="en-US" altLang="ja-JP" i="1">
-                        <a:latin typeface="Cambria Math" panose="02040503050406030204" pitchFamily="18" charset="0"/>
-                        <a:ea typeface="Cambria Math" panose="02040503050406030204" pitchFamily="18" charset="0"/>
-                      </a:rPr>
-                      <m:t>&gt;</m:t>
-                    </m:r>
-                    <m:sSup>
-                      <m:sSupPr>
-                        <m:ctrlPr>
-                          <a:rPr lang="en-US" altLang="ja-JP" i="1">
-                            <a:latin typeface="Cambria Math" panose="02040503050406030204" pitchFamily="18" charset="0"/>
-                            <a:ea typeface="Cambria Math" panose="02040503050406030204" pitchFamily="18" charset="0"/>
-                          </a:rPr>
-                        </m:ctrlPr>
-                      </m:sSupPr>
-                      <m:e>
-                        <m:r>
-                          <a:rPr lang="en-US" altLang="ja-JP" i="1">
-                            <a:latin typeface="Cambria Math" panose="02040503050406030204" pitchFamily="18" charset="0"/>
-                            <a:ea typeface="Cambria Math" panose="02040503050406030204" pitchFamily="18" charset="0"/>
-                          </a:rPr>
-                          <m:t>𝑆</m:t>
-                        </m:r>
-                      </m:e>
-                      <m:sup>
-                        <m:r>
-                          <a:rPr lang="en-US" altLang="ja-JP" i="1">
-                            <a:latin typeface="Cambria Math" panose="02040503050406030204" pitchFamily="18" charset="0"/>
-                            <a:ea typeface="Cambria Math" panose="02040503050406030204" pitchFamily="18" charset="0"/>
-                          </a:rPr>
-                          <m:t>2</m:t>
-                        </m:r>
-                      </m:sup>
-                    </m:sSup>
-                    <m:d>
-                      <m:dPr>
-                        <m:ctrlPr>
-                          <a:rPr lang="en-US" altLang="ja-JP" i="1">
-                            <a:latin typeface="Cambria Math" panose="02040503050406030204" pitchFamily="18" charset="0"/>
-                            <a:ea typeface="Cambria Math" panose="02040503050406030204" pitchFamily="18" charset="0"/>
-                          </a:rPr>
-                        </m:ctrlPr>
-                      </m:dPr>
-                      <m:e>
-                        <m:r>
-                          <a:rPr lang="en-US" altLang="ja-JP" b="1" i="1">
-                            <a:latin typeface="Cambria Math" panose="02040503050406030204" pitchFamily="18" charset="0"/>
-                            <a:ea typeface="Cambria Math" panose="02040503050406030204" pitchFamily="18" charset="0"/>
-                          </a:rPr>
-                          <m:t>𝒚</m:t>
-                        </m:r>
-                        <m:r>
-                          <a:rPr lang="en-US" altLang="ja-JP" i="1">
-                            <a:latin typeface="Cambria Math" panose="02040503050406030204" pitchFamily="18" charset="0"/>
-                            <a:ea typeface="Cambria Math" panose="02040503050406030204" pitchFamily="18" charset="0"/>
-                          </a:rPr>
-                          <m:t>;</m:t>
-                        </m:r>
-                        <m:r>
-                          <a:rPr lang="en-US" altLang="ja-JP" i="1">
-                            <a:latin typeface="Cambria Math" panose="02040503050406030204" pitchFamily="18" charset="0"/>
-                            <a:ea typeface="Cambria Math" panose="02040503050406030204" pitchFamily="18" charset="0"/>
-                          </a:rPr>
-                          <m:t>𝑤</m:t>
-                        </m:r>
-                      </m:e>
-                    </m:d>
-                  </m:oMath>
-                </a14:m>
-                <a:r>
-                  <a:rPr lang="ja-JP" altLang="en-US" dirty="0"/>
-                  <a:t> が不成立（</a:t>
-                </a:r>
-                <a:r>
-                  <a:rPr lang="en-US" altLang="ja-JP" dirty="0">
-                    <a:ea typeface="Cambria Math" panose="02040503050406030204" pitchFamily="18" charset="0"/>
-                  </a:rPr>
-                  <a:t> </a:t>
-                </a:r>
-                <a14:m>
-                  <m:oMath xmlns:m="http://schemas.openxmlformats.org/officeDocument/2006/math">
-                    <m:r>
-                      <a:rPr lang="en-US" altLang="ja-JP" i="1">
-                        <a:latin typeface="Cambria Math" panose="02040503050406030204" pitchFamily="18" charset="0"/>
-                        <a:ea typeface="Cambria Math" panose="02040503050406030204" pitchFamily="18" charset="0"/>
-                      </a:rPr>
-                      <m:t>𝑤</m:t>
-                    </m:r>
-                  </m:oMath>
-                </a14:m>
-                <a:r>
-                  <a:rPr lang="ja-JP" altLang="en-US" dirty="0"/>
-                  <a:t>や位置によって、大小関係が変わる）</a:t>
-                </a:r>
-              </a:p>
-            </p:txBody>
-          </p:sp>
-        </mc:Choice>
-        <mc:Fallback>
-          <p:sp>
-            <p:nvSpPr>
-              <p:cNvPr id="12" name="テキスト ボックス 11">
-                <a:extLst>
-                  <a:ext uri="{FF2B5EF4-FFF2-40B4-BE49-F238E27FC236}">
-                    <a16:creationId xmlns:a16="http://schemas.microsoft.com/office/drawing/2014/main" id="{16023AD0-7C00-4A7B-A2E4-12AEF68633D1}"/>
-                  </a:ext>
-                </a:extLst>
-              </p:cNvPr>
-              <p:cNvSpPr txBox="1">
-                <a:spLocks noRot="1" noChangeAspect="1" noMove="1" noResize="1" noEditPoints="1" noAdjustHandles="1" noChangeArrowheads="1" noChangeShapeType="1" noTextEdit="1"/>
-              </p:cNvSpPr>
-              <p:nvPr/>
-            </p:nvSpPr>
-            <p:spPr>
-              <a:xfrm>
-                <a:off x="1129478" y="4554239"/>
-                <a:ext cx="9588912" cy="369332"/>
-              </a:xfrm>
-              <a:prstGeom prst="rect">
-                <a:avLst/>
-              </a:prstGeom>
-              <a:blipFill>
-                <a:blip r:embed="rId2"/>
-                <a:stretch>
-                  <a:fillRect t="-8197" b="-24590"/>
-                </a:stretch>
-              </a:blipFill>
-            </p:spPr>
-            <p:txBody>
-              <a:bodyPr/>
-              <a:lstStyle/>
-              <a:p>
-                <a:r>
-                  <a:rPr lang="ja-JP" altLang="en-US">
-                    <a:noFill/>
-                  </a:rPr>
-                  <a:t> </a:t>
-                </a:r>
-              </a:p>
-            </p:txBody>
-          </p:sp>
-        </mc:Fallback>
-      </mc:AlternateContent>
-      <mc:AlternateContent xmlns:mc="http://schemas.openxmlformats.org/markup-compatibility/2006">
-        <mc:Choice xmlns:a14="http://schemas.microsoft.com/office/drawing/2010/main" Requires="a14">
-          <p:sp>
-            <p:nvSpPr>
-              <p:cNvPr id="13" name="テキスト ボックス 12">
-                <a:extLst>
-                  <a:ext uri="{FF2B5EF4-FFF2-40B4-BE49-F238E27FC236}">
-                    <a16:creationId xmlns:a16="http://schemas.microsoft.com/office/drawing/2014/main" id="{74B9F4A4-880C-47A2-838A-E1C79A83D46C}"/>
-                  </a:ext>
-                </a:extLst>
-              </p:cNvPr>
-              <p:cNvSpPr txBox="1"/>
-              <p:nvPr/>
-            </p:nvSpPr>
-            <p:spPr>
-              <a:xfrm>
-                <a:off x="790028" y="3859742"/>
-                <a:ext cx="10715184" cy="461665"/>
-              </a:xfrm>
-              <a:prstGeom prst="rect">
-                <a:avLst/>
-              </a:prstGeom>
-              <a:noFill/>
-            </p:spPr>
-            <p:txBody>
-              <a:bodyPr wrap="square" rtlCol="0">
-                <a:spAutoFit/>
-              </a:bodyPr>
-              <a:lstStyle/>
-              <a:p>
-                <a:pPr lvl="1">
-                  <a:defRPr/>
-                </a:pPr>
-                <a14:m>
-                  <m:oMathPara xmlns:m="http://schemas.openxmlformats.org/officeDocument/2006/math">
-                    <m:oMathParaPr>
-                      <m:jc m:val="left"/>
-                    </m:oMathParaPr>
-                    <m:oMath xmlns:m="http://schemas.openxmlformats.org/officeDocument/2006/math">
-                      <m:sSup>
-                        <m:sSupPr>
-                          <m:ctrlPr>
-                            <a:rPr lang="en-US" altLang="ja-JP" sz="1200" i="1" smtClean="0">
-                              <a:latin typeface="Cambria Math" panose="02040503050406030204" pitchFamily="18" charset="0"/>
-                              <a:ea typeface="Cambria Math" panose="02040503050406030204" pitchFamily="18" charset="0"/>
-                            </a:rPr>
-                          </m:ctrlPr>
-                        </m:sSupPr>
-                        <m:e>
-                          <m:r>
-                            <a:rPr lang="en-US" altLang="ja-JP" sz="1200" i="1">
-                              <a:latin typeface="Cambria Math" panose="02040503050406030204" pitchFamily="18" charset="0"/>
-                              <a:ea typeface="Cambria Math" panose="02040503050406030204" pitchFamily="18" charset="0"/>
-                            </a:rPr>
-                            <m:t>𝑆</m:t>
-                          </m:r>
-                        </m:e>
-                        <m:sup>
-                          <m:r>
-                            <a:rPr lang="en-US" altLang="ja-JP" sz="1200" i="1">
-                              <a:latin typeface="Cambria Math" panose="02040503050406030204" pitchFamily="18" charset="0"/>
-                              <a:ea typeface="Cambria Math" panose="02040503050406030204" pitchFamily="18" charset="0"/>
-                            </a:rPr>
-                            <m:t>1</m:t>
-                          </m:r>
-                        </m:sup>
-                      </m:sSup>
-                      <m:d>
-                        <m:dPr>
-                          <m:ctrlPr>
-                            <a:rPr lang="en-US" altLang="ja-JP" sz="1200" i="1">
-                              <a:latin typeface="Cambria Math" panose="02040503050406030204" pitchFamily="18" charset="0"/>
-                              <a:ea typeface="Cambria Math" panose="02040503050406030204" pitchFamily="18" charset="0"/>
-                            </a:rPr>
-                          </m:ctrlPr>
-                        </m:dPr>
-                        <m:e>
-                          <m:r>
-                            <a:rPr lang="en-US" altLang="ja-JP" sz="1200" b="1" i="1">
-                              <a:latin typeface="Cambria Math" panose="02040503050406030204" pitchFamily="18" charset="0"/>
-                              <a:ea typeface="Cambria Math" panose="02040503050406030204" pitchFamily="18" charset="0"/>
-                            </a:rPr>
-                            <m:t>𝒙</m:t>
-                          </m:r>
-                          <m:r>
-                            <a:rPr lang="en-US" altLang="ja-JP" sz="1200" i="1">
-                              <a:latin typeface="Cambria Math" panose="02040503050406030204" pitchFamily="18" charset="0"/>
-                              <a:ea typeface="Cambria Math" panose="02040503050406030204" pitchFamily="18" charset="0"/>
-                            </a:rPr>
-                            <m:t>;</m:t>
-                          </m:r>
-                          <m:r>
-                            <a:rPr lang="en-US" altLang="ja-JP" sz="1200" i="1">
-                              <a:latin typeface="Cambria Math" panose="02040503050406030204" pitchFamily="18" charset="0"/>
-                              <a:ea typeface="Cambria Math" panose="02040503050406030204" pitchFamily="18" charset="0"/>
-                            </a:rPr>
-                            <m:t>𝑤</m:t>
-                          </m:r>
-                        </m:e>
-                      </m:d>
-                      <m:r>
-                        <a:rPr lang="en-US" altLang="ja-JP" sz="1200" i="1">
-                          <a:latin typeface="Cambria Math" panose="02040503050406030204" pitchFamily="18" charset="0"/>
-                          <a:ea typeface="Cambria Math" panose="02040503050406030204" pitchFamily="18" charset="0"/>
-                        </a:rPr>
-                        <m:t>−</m:t>
-                      </m:r>
-                      <m:sSup>
-                        <m:sSupPr>
-                          <m:ctrlPr>
-                            <a:rPr lang="en-US" altLang="ja-JP" sz="1200" i="1">
-                              <a:latin typeface="Cambria Math" panose="02040503050406030204" pitchFamily="18" charset="0"/>
-                              <a:ea typeface="Cambria Math" panose="02040503050406030204" pitchFamily="18" charset="0"/>
-                            </a:rPr>
-                          </m:ctrlPr>
-                        </m:sSupPr>
-                        <m:e>
-                          <m:r>
-                            <a:rPr lang="en-US" altLang="ja-JP" sz="1200" i="1">
-                              <a:latin typeface="Cambria Math" panose="02040503050406030204" pitchFamily="18" charset="0"/>
-                              <a:ea typeface="Cambria Math" panose="02040503050406030204" pitchFamily="18" charset="0"/>
-                            </a:rPr>
-                            <m:t>𝑆</m:t>
-                          </m:r>
-                        </m:e>
-                        <m:sup>
-                          <m:r>
-                            <a:rPr lang="en-US" altLang="ja-JP" sz="1200" i="1">
-                              <a:latin typeface="Cambria Math" panose="02040503050406030204" pitchFamily="18" charset="0"/>
-                              <a:ea typeface="Cambria Math" panose="02040503050406030204" pitchFamily="18" charset="0"/>
-                            </a:rPr>
-                            <m:t>1</m:t>
-                          </m:r>
-                        </m:sup>
-                      </m:sSup>
-                      <m:d>
-                        <m:dPr>
-                          <m:ctrlPr>
-                            <a:rPr lang="en-US" altLang="ja-JP" sz="1200" i="1">
-                              <a:latin typeface="Cambria Math" panose="02040503050406030204" pitchFamily="18" charset="0"/>
-                              <a:ea typeface="Cambria Math" panose="02040503050406030204" pitchFamily="18" charset="0"/>
-                            </a:rPr>
-                          </m:ctrlPr>
-                        </m:dPr>
-                        <m:e>
-                          <m:r>
-                            <a:rPr lang="en-US" altLang="ja-JP" sz="1200" b="1" i="1">
-                              <a:latin typeface="Cambria Math" panose="02040503050406030204" pitchFamily="18" charset="0"/>
-                              <a:ea typeface="Cambria Math" panose="02040503050406030204" pitchFamily="18" charset="0"/>
-                            </a:rPr>
-                            <m:t>𝒚</m:t>
-                          </m:r>
-                          <m:r>
-                            <a:rPr lang="en-US" altLang="ja-JP" sz="1200" i="1">
-                              <a:latin typeface="Cambria Math" panose="02040503050406030204" pitchFamily="18" charset="0"/>
-                              <a:ea typeface="Cambria Math" panose="02040503050406030204" pitchFamily="18" charset="0"/>
-                            </a:rPr>
-                            <m:t>;</m:t>
-                          </m:r>
-                          <m:r>
-                            <a:rPr lang="en-US" altLang="ja-JP" sz="1200" i="1">
-                              <a:latin typeface="Cambria Math" panose="02040503050406030204" pitchFamily="18" charset="0"/>
-                              <a:ea typeface="Cambria Math" panose="02040503050406030204" pitchFamily="18" charset="0"/>
-                            </a:rPr>
-                            <m:t>𝑤</m:t>
-                          </m:r>
-                        </m:e>
-                      </m:d>
-                      <m:r>
-                        <a:rPr lang="en-US" altLang="ja-JP" sz="1200" i="1">
-                          <a:latin typeface="Cambria Math" panose="02040503050406030204" pitchFamily="18" charset="0"/>
-                          <a:ea typeface="Cambria Math" panose="02040503050406030204" pitchFamily="18" charset="0"/>
-                        </a:rPr>
-                        <m:t>=</m:t>
-                      </m:r>
-                      <m:r>
-                        <m:rPr>
-                          <m:sty m:val="p"/>
-                        </m:rPr>
-                        <a:rPr lang="en-US" altLang="ja-JP" sz="1200">
-                          <a:latin typeface="Cambria Math" panose="02040503050406030204" pitchFamily="18" charset="0"/>
-                          <a:ea typeface="Cambria Math" panose="02040503050406030204" pitchFamily="18" charset="0"/>
-                        </a:rPr>
-                        <m:t>max</m:t>
-                      </m:r>
-                      <m:d>
-                        <m:dPr>
-                          <m:begChr m:val="{"/>
-                          <m:endChr m:val="}"/>
-                          <m:ctrlPr>
-                            <a:rPr lang="en-US" altLang="ja-JP" sz="1200" i="1">
-                              <a:latin typeface="Cambria Math" panose="02040503050406030204" pitchFamily="18" charset="0"/>
-                              <a:ea typeface="Cambria Math" panose="02040503050406030204" pitchFamily="18" charset="0"/>
-                            </a:rPr>
-                          </m:ctrlPr>
-                        </m:dPr>
-                        <m:e>
-                          <m:r>
-                            <a:rPr lang="en-US" altLang="ja-JP" sz="1200" i="1">
-                              <a:latin typeface="Cambria Math" panose="02040503050406030204" pitchFamily="18" charset="0"/>
-                              <a:ea typeface="Cambria Math" panose="02040503050406030204" pitchFamily="18" charset="0"/>
-                            </a:rPr>
-                            <m:t>𝑤</m:t>
-                          </m:r>
-                          <m:r>
-                            <a:rPr lang="en-US" altLang="ja-JP" sz="1200" i="1">
-                              <a:latin typeface="Cambria Math" panose="02040503050406030204" pitchFamily="18" charset="0"/>
-                              <a:ea typeface="Cambria Math" panose="02040503050406030204" pitchFamily="18" charset="0"/>
-                            </a:rPr>
-                            <m:t>𝑓</m:t>
-                          </m:r>
-                          <m:d>
-                            <m:dPr>
-                              <m:ctrlPr>
-                                <a:rPr lang="en-US" altLang="ja-JP" sz="1200" i="1">
-                                  <a:latin typeface="Cambria Math" panose="02040503050406030204" pitchFamily="18" charset="0"/>
-                                  <a:ea typeface="Cambria Math" panose="02040503050406030204" pitchFamily="18" charset="0"/>
-                                </a:rPr>
-                              </m:ctrlPr>
-                            </m:dPr>
-                            <m:e>
-                              <m:r>
-                                <a:rPr lang="en-US" altLang="ja-JP" sz="1200" b="1" i="1">
-                                  <a:latin typeface="Cambria Math" panose="02040503050406030204" pitchFamily="18" charset="0"/>
-                                  <a:ea typeface="Cambria Math" panose="02040503050406030204" pitchFamily="18" charset="0"/>
-                                </a:rPr>
-                                <m:t>𝒙</m:t>
-                              </m:r>
-                            </m:e>
-                          </m:d>
-                          <m:r>
-                            <a:rPr lang="en-US" altLang="ja-JP" sz="1200" i="1">
-                              <a:latin typeface="Cambria Math" panose="02040503050406030204" pitchFamily="18" charset="0"/>
-                              <a:ea typeface="Cambria Math" panose="02040503050406030204" pitchFamily="18" charset="0"/>
-                            </a:rPr>
-                            <m:t>,</m:t>
-                          </m:r>
-                          <m:d>
-                            <m:dPr>
-                              <m:ctrlPr>
-                                <a:rPr lang="en-US" altLang="ja-JP" sz="1200" i="1">
-                                  <a:latin typeface="Cambria Math" panose="02040503050406030204" pitchFamily="18" charset="0"/>
-                                  <a:ea typeface="Cambria Math" panose="02040503050406030204" pitchFamily="18" charset="0"/>
-                                </a:rPr>
-                              </m:ctrlPr>
-                            </m:dPr>
-                            <m:e>
-                              <m:r>
-                                <a:rPr lang="en-US" altLang="ja-JP" sz="1200" i="1">
-                                  <a:latin typeface="Cambria Math" panose="02040503050406030204" pitchFamily="18" charset="0"/>
-                                  <a:ea typeface="Cambria Math" panose="02040503050406030204" pitchFamily="18" charset="0"/>
-                                </a:rPr>
-                                <m:t>1−</m:t>
-                              </m:r>
-                              <m:r>
-                                <a:rPr lang="en-US" altLang="ja-JP" sz="1200" i="1">
-                                  <a:latin typeface="Cambria Math" panose="02040503050406030204" pitchFamily="18" charset="0"/>
-                                  <a:ea typeface="Cambria Math" panose="02040503050406030204" pitchFamily="18" charset="0"/>
-                                </a:rPr>
-                                <m:t>𝑤</m:t>
-                              </m:r>
-                            </m:e>
-                          </m:d>
-                          <m:r>
-                            <a:rPr lang="en-US" altLang="ja-JP" sz="1200" i="1">
-                              <a:latin typeface="Cambria Math" panose="02040503050406030204" pitchFamily="18" charset="0"/>
-                              <a:ea typeface="Cambria Math" panose="02040503050406030204" pitchFamily="18" charset="0"/>
-                            </a:rPr>
-                            <m:t>𝑣</m:t>
-                          </m:r>
-                          <m:d>
-                            <m:dPr>
-                              <m:ctrlPr>
-                                <a:rPr lang="en-US" altLang="ja-JP" sz="1200" i="1">
-                                  <a:latin typeface="Cambria Math" panose="02040503050406030204" pitchFamily="18" charset="0"/>
-                                  <a:ea typeface="Cambria Math" panose="02040503050406030204" pitchFamily="18" charset="0"/>
-                                </a:rPr>
-                              </m:ctrlPr>
-                            </m:dPr>
-                            <m:e>
-                              <m:r>
-                                <a:rPr lang="en-US" altLang="ja-JP" sz="1200" b="1" i="1">
-                                  <a:latin typeface="Cambria Math" panose="02040503050406030204" pitchFamily="18" charset="0"/>
-                                  <a:ea typeface="Cambria Math" panose="02040503050406030204" pitchFamily="18" charset="0"/>
-                                </a:rPr>
-                                <m:t>𝒙</m:t>
-                              </m:r>
-                            </m:e>
-                          </m:d>
-                        </m:e>
-                      </m:d>
-                      <m:r>
-                        <a:rPr lang="en-US" altLang="ja-JP" sz="1200" i="1">
-                          <a:latin typeface="Cambria Math" panose="02040503050406030204" pitchFamily="18" charset="0"/>
-                          <a:ea typeface="Cambria Math" panose="02040503050406030204" pitchFamily="18" charset="0"/>
-                        </a:rPr>
-                        <m:t>−</m:t>
-                      </m:r>
-                      <m:r>
-                        <m:rPr>
-                          <m:sty m:val="p"/>
-                        </m:rPr>
-                        <a:rPr lang="en-US" altLang="ja-JP" sz="1200">
-                          <a:latin typeface="Cambria Math" panose="02040503050406030204" pitchFamily="18" charset="0"/>
-                          <a:ea typeface="Cambria Math" panose="02040503050406030204" pitchFamily="18" charset="0"/>
-                        </a:rPr>
-                        <m:t>max</m:t>
-                      </m:r>
-                      <m:d>
-                        <m:dPr>
-                          <m:begChr m:val="{"/>
-                          <m:endChr m:val="}"/>
-                          <m:ctrlPr>
-                            <a:rPr lang="en-US" altLang="ja-JP" sz="1200" i="1">
-                              <a:latin typeface="Cambria Math" panose="02040503050406030204" pitchFamily="18" charset="0"/>
-                              <a:ea typeface="Cambria Math" panose="02040503050406030204" pitchFamily="18" charset="0"/>
-                            </a:rPr>
-                          </m:ctrlPr>
-                        </m:dPr>
-                        <m:e>
-                          <m:r>
-                            <a:rPr lang="en-US" altLang="ja-JP" sz="1200" i="1">
-                              <a:latin typeface="Cambria Math" panose="02040503050406030204" pitchFamily="18" charset="0"/>
-                              <a:ea typeface="Cambria Math" panose="02040503050406030204" pitchFamily="18" charset="0"/>
-                            </a:rPr>
-                            <m:t>𝑤𝑓</m:t>
-                          </m:r>
-                          <m:d>
-                            <m:dPr>
-                              <m:ctrlPr>
-                                <a:rPr lang="en-US" altLang="ja-JP" sz="1200" i="1">
-                                  <a:latin typeface="Cambria Math" panose="02040503050406030204" pitchFamily="18" charset="0"/>
-                                  <a:ea typeface="Cambria Math" panose="02040503050406030204" pitchFamily="18" charset="0"/>
-                                </a:rPr>
-                              </m:ctrlPr>
-                            </m:dPr>
-                            <m:e>
-                              <m:r>
-                                <a:rPr lang="en-US" altLang="ja-JP" sz="1200" b="1" i="1" smtClean="0">
-                                  <a:latin typeface="Cambria Math" panose="02040503050406030204" pitchFamily="18" charset="0"/>
-                                  <a:ea typeface="Cambria Math" panose="02040503050406030204" pitchFamily="18" charset="0"/>
-                                </a:rPr>
-                                <m:t>𝒚</m:t>
-                              </m:r>
-                            </m:e>
-                          </m:d>
-                          <m:r>
-                            <a:rPr lang="en-US" altLang="ja-JP" sz="1200" i="1">
-                              <a:latin typeface="Cambria Math" panose="02040503050406030204" pitchFamily="18" charset="0"/>
-                              <a:ea typeface="Cambria Math" panose="02040503050406030204" pitchFamily="18" charset="0"/>
-                            </a:rPr>
-                            <m:t>,</m:t>
-                          </m:r>
-                          <m:d>
-                            <m:dPr>
-                              <m:ctrlPr>
-                                <a:rPr lang="en-US" altLang="ja-JP" sz="1200" i="1">
-                                  <a:latin typeface="Cambria Math" panose="02040503050406030204" pitchFamily="18" charset="0"/>
-                                  <a:ea typeface="Cambria Math" panose="02040503050406030204" pitchFamily="18" charset="0"/>
-                                </a:rPr>
-                              </m:ctrlPr>
-                            </m:dPr>
-                            <m:e>
-                              <m:r>
-                                <a:rPr lang="en-US" altLang="ja-JP" sz="1200" i="1">
-                                  <a:latin typeface="Cambria Math" panose="02040503050406030204" pitchFamily="18" charset="0"/>
-                                  <a:ea typeface="Cambria Math" panose="02040503050406030204" pitchFamily="18" charset="0"/>
-                                </a:rPr>
-                                <m:t>1−</m:t>
-                              </m:r>
-                              <m:r>
-                                <a:rPr lang="en-US" altLang="ja-JP" sz="1200" i="1">
-                                  <a:latin typeface="Cambria Math" panose="02040503050406030204" pitchFamily="18" charset="0"/>
-                                  <a:ea typeface="Cambria Math" panose="02040503050406030204" pitchFamily="18" charset="0"/>
-                                </a:rPr>
-                                <m:t>𝑤</m:t>
-                              </m:r>
-                            </m:e>
-                          </m:d>
-                          <m:r>
-                            <a:rPr lang="en-US" altLang="ja-JP" sz="1200" i="1">
-                              <a:latin typeface="Cambria Math" panose="02040503050406030204" pitchFamily="18" charset="0"/>
-                              <a:ea typeface="Cambria Math" panose="02040503050406030204" pitchFamily="18" charset="0"/>
-                            </a:rPr>
-                            <m:t>𝑣</m:t>
-                          </m:r>
-                          <m:d>
-                            <m:dPr>
-                              <m:ctrlPr>
-                                <a:rPr lang="en-US" altLang="ja-JP" sz="1200" i="1">
-                                  <a:latin typeface="Cambria Math" panose="02040503050406030204" pitchFamily="18" charset="0"/>
-                                  <a:ea typeface="Cambria Math" panose="02040503050406030204" pitchFamily="18" charset="0"/>
-                                </a:rPr>
-                              </m:ctrlPr>
-                            </m:dPr>
-                            <m:e>
-                              <m:r>
-                                <a:rPr lang="en-US" altLang="ja-JP" sz="1200" b="1" i="1" smtClean="0">
-                                  <a:latin typeface="Cambria Math" panose="02040503050406030204" pitchFamily="18" charset="0"/>
-                                  <a:ea typeface="Cambria Math" panose="02040503050406030204" pitchFamily="18" charset="0"/>
-                                </a:rPr>
-                                <m:t>𝒚</m:t>
-                              </m:r>
-                            </m:e>
-                          </m:d>
-                        </m:e>
-                      </m:d>
-                    </m:oMath>
-                  </m:oMathPara>
-                </a14:m>
-                <a:endParaRPr lang="en-US" altLang="ja-JP" sz="1200" i="1" dirty="0">
-                  <a:latin typeface="Cambria Math" panose="02040503050406030204" pitchFamily="18" charset="0"/>
-                  <a:ea typeface="Cambria Math" panose="02040503050406030204" pitchFamily="18" charset="0"/>
-                </a:endParaRPr>
-              </a:p>
-              <a:p>
-                <a:pPr lvl="1">
-                  <a:defRPr/>
-                </a:pPr>
-                <a14:m>
-                  <m:oMathPara xmlns:m="http://schemas.openxmlformats.org/officeDocument/2006/math">
-                    <m:oMathParaPr>
-                      <m:jc m:val="left"/>
-                    </m:oMathParaPr>
-                    <m:oMath xmlns:m="http://schemas.openxmlformats.org/officeDocument/2006/math">
-                      <m:sSup>
-                        <m:sSupPr>
-                          <m:ctrlPr>
-                            <a:rPr lang="en-US" altLang="ja-JP" sz="1200" i="1">
-                              <a:latin typeface="Cambria Math" panose="02040503050406030204" pitchFamily="18" charset="0"/>
-                              <a:ea typeface="Cambria Math" panose="02040503050406030204" pitchFamily="18" charset="0"/>
-                            </a:rPr>
-                          </m:ctrlPr>
-                        </m:sSupPr>
-                        <m:e>
-                          <m:r>
-                            <a:rPr lang="en-US" altLang="ja-JP" sz="1200" i="1">
-                              <a:latin typeface="Cambria Math" panose="02040503050406030204" pitchFamily="18" charset="0"/>
-                              <a:ea typeface="Cambria Math" panose="02040503050406030204" pitchFamily="18" charset="0"/>
-                            </a:rPr>
-                            <m:t>𝑆</m:t>
-                          </m:r>
-                        </m:e>
-                        <m:sup>
-                          <m:r>
-                            <a:rPr lang="en-US" altLang="ja-JP" sz="1200" i="1">
-                              <a:latin typeface="Cambria Math" panose="02040503050406030204" pitchFamily="18" charset="0"/>
-                              <a:ea typeface="Cambria Math" panose="02040503050406030204" pitchFamily="18" charset="0"/>
-                            </a:rPr>
-                            <m:t>2</m:t>
-                          </m:r>
-                        </m:sup>
-                      </m:sSup>
-                      <m:d>
-                        <m:dPr>
-                          <m:ctrlPr>
-                            <a:rPr lang="en-US" altLang="ja-JP" sz="1200" i="1">
-                              <a:latin typeface="Cambria Math" panose="02040503050406030204" pitchFamily="18" charset="0"/>
-                              <a:ea typeface="Cambria Math" panose="02040503050406030204" pitchFamily="18" charset="0"/>
-                            </a:rPr>
-                          </m:ctrlPr>
-                        </m:dPr>
-                        <m:e>
-                          <m:r>
-                            <a:rPr lang="en-US" altLang="ja-JP" sz="1200" b="1" i="1">
-                              <a:latin typeface="Cambria Math" panose="02040503050406030204" pitchFamily="18" charset="0"/>
-                              <a:ea typeface="Cambria Math" panose="02040503050406030204" pitchFamily="18" charset="0"/>
-                            </a:rPr>
-                            <m:t>𝒙</m:t>
-                          </m:r>
-                          <m:r>
-                            <a:rPr lang="en-US" altLang="ja-JP" sz="1200" i="1">
-                              <a:latin typeface="Cambria Math" panose="02040503050406030204" pitchFamily="18" charset="0"/>
-                              <a:ea typeface="Cambria Math" panose="02040503050406030204" pitchFamily="18" charset="0"/>
-                            </a:rPr>
-                            <m:t>;</m:t>
-                          </m:r>
-                          <m:r>
-                            <a:rPr lang="en-US" altLang="ja-JP" sz="1200" i="1">
-                              <a:latin typeface="Cambria Math" panose="02040503050406030204" pitchFamily="18" charset="0"/>
-                              <a:ea typeface="Cambria Math" panose="02040503050406030204" pitchFamily="18" charset="0"/>
-                            </a:rPr>
-                            <m:t>𝑤</m:t>
-                          </m:r>
-                        </m:e>
-                      </m:d>
-                      <m:r>
-                        <a:rPr lang="en-US" altLang="ja-JP" sz="1200" i="1">
-                          <a:latin typeface="Cambria Math" panose="02040503050406030204" pitchFamily="18" charset="0"/>
-                          <a:ea typeface="Cambria Math" panose="02040503050406030204" pitchFamily="18" charset="0"/>
-                        </a:rPr>
-                        <m:t>−</m:t>
-                      </m:r>
-                      <m:sSup>
-                        <m:sSupPr>
-                          <m:ctrlPr>
-                            <a:rPr lang="en-US" altLang="ja-JP" sz="1200" i="1">
-                              <a:latin typeface="Cambria Math" panose="02040503050406030204" pitchFamily="18" charset="0"/>
-                              <a:ea typeface="Cambria Math" panose="02040503050406030204" pitchFamily="18" charset="0"/>
-                            </a:rPr>
-                          </m:ctrlPr>
-                        </m:sSupPr>
-                        <m:e>
-                          <m:r>
-                            <a:rPr lang="en-US" altLang="ja-JP" sz="1200" i="1">
-                              <a:latin typeface="Cambria Math" panose="02040503050406030204" pitchFamily="18" charset="0"/>
-                              <a:ea typeface="Cambria Math" panose="02040503050406030204" pitchFamily="18" charset="0"/>
-                            </a:rPr>
-                            <m:t>𝑆</m:t>
-                          </m:r>
-                        </m:e>
-                        <m:sup>
-                          <m:r>
-                            <a:rPr lang="en-US" altLang="ja-JP" sz="1200" i="1">
-                              <a:latin typeface="Cambria Math" panose="02040503050406030204" pitchFamily="18" charset="0"/>
-                              <a:ea typeface="Cambria Math" panose="02040503050406030204" pitchFamily="18" charset="0"/>
-                            </a:rPr>
-                            <m:t>2</m:t>
-                          </m:r>
-                        </m:sup>
-                      </m:sSup>
-                      <m:d>
-                        <m:dPr>
-                          <m:ctrlPr>
-                            <a:rPr lang="en-US" altLang="ja-JP" sz="1200" i="1">
-                              <a:latin typeface="Cambria Math" panose="02040503050406030204" pitchFamily="18" charset="0"/>
-                              <a:ea typeface="Cambria Math" panose="02040503050406030204" pitchFamily="18" charset="0"/>
-                            </a:rPr>
-                          </m:ctrlPr>
-                        </m:dPr>
-                        <m:e>
-                          <m:r>
-                            <a:rPr lang="en-US" altLang="ja-JP" sz="1200" b="1" i="1">
-                              <a:latin typeface="Cambria Math" panose="02040503050406030204" pitchFamily="18" charset="0"/>
-                              <a:ea typeface="Cambria Math" panose="02040503050406030204" pitchFamily="18" charset="0"/>
-                            </a:rPr>
-                            <m:t>𝒚</m:t>
-                          </m:r>
-                          <m:r>
-                            <a:rPr lang="en-US" altLang="ja-JP" sz="1200" i="1">
-                              <a:latin typeface="Cambria Math" panose="02040503050406030204" pitchFamily="18" charset="0"/>
-                              <a:ea typeface="Cambria Math" panose="02040503050406030204" pitchFamily="18" charset="0"/>
-                            </a:rPr>
-                            <m:t>;</m:t>
-                          </m:r>
-                          <m:r>
-                            <a:rPr lang="en-US" altLang="ja-JP" sz="1200" i="1">
-                              <a:latin typeface="Cambria Math" panose="02040503050406030204" pitchFamily="18" charset="0"/>
-                              <a:ea typeface="Cambria Math" panose="02040503050406030204" pitchFamily="18" charset="0"/>
-                            </a:rPr>
-                            <m:t>𝑤</m:t>
-                          </m:r>
-                        </m:e>
-                      </m:d>
-                      <m:r>
-                        <a:rPr lang="en-US" altLang="ja-JP" sz="1200" i="1">
-                          <a:latin typeface="Cambria Math" panose="02040503050406030204" pitchFamily="18" charset="0"/>
-                          <a:ea typeface="Cambria Math" panose="02040503050406030204" pitchFamily="18" charset="0"/>
-                        </a:rPr>
-                        <m:t>=</m:t>
-                      </m:r>
-                      <m:r>
-                        <m:rPr>
-                          <m:sty m:val="p"/>
-                        </m:rPr>
-                        <a:rPr lang="en-US" altLang="ja-JP" sz="1200">
-                          <a:latin typeface="Cambria Math" panose="02040503050406030204" pitchFamily="18" charset="0"/>
-                          <a:ea typeface="Cambria Math" panose="02040503050406030204" pitchFamily="18" charset="0"/>
-                        </a:rPr>
-                        <m:t>max</m:t>
-                      </m:r>
-                      <m:d>
-                        <m:dPr>
-                          <m:begChr m:val="{"/>
-                          <m:endChr m:val="}"/>
-                          <m:ctrlPr>
-                            <a:rPr lang="en-US" altLang="ja-JP" sz="1200" i="1">
-                              <a:latin typeface="Cambria Math" panose="02040503050406030204" pitchFamily="18" charset="0"/>
-                              <a:ea typeface="Cambria Math" panose="02040503050406030204" pitchFamily="18" charset="0"/>
-                            </a:rPr>
-                          </m:ctrlPr>
-                        </m:dPr>
-                        <m:e>
-                          <m:r>
-                            <a:rPr lang="en-US" altLang="ja-JP" sz="1200" i="1">
-                              <a:latin typeface="Cambria Math" panose="02040503050406030204" pitchFamily="18" charset="0"/>
-                              <a:ea typeface="Cambria Math" panose="02040503050406030204" pitchFamily="18" charset="0"/>
-                            </a:rPr>
-                            <m:t>𝑤</m:t>
-                          </m:r>
-                          <m:r>
-                            <a:rPr lang="en-US" altLang="ja-JP" sz="1200" b="0" i="1" smtClean="0">
-                              <a:latin typeface="Cambria Math" panose="02040503050406030204" pitchFamily="18" charset="0"/>
-                              <a:ea typeface="Cambria Math" panose="02040503050406030204" pitchFamily="18" charset="0"/>
-                            </a:rPr>
-                            <m:t>(</m:t>
-                          </m:r>
-                          <m:r>
-                            <a:rPr lang="en-US" altLang="ja-JP" sz="1200" i="1">
-                              <a:latin typeface="Cambria Math" panose="02040503050406030204" pitchFamily="18" charset="0"/>
-                              <a:ea typeface="Cambria Math" panose="02040503050406030204" pitchFamily="18" charset="0"/>
-                            </a:rPr>
-                            <m:t>𝑓</m:t>
-                          </m:r>
-                          <m:d>
-                            <m:dPr>
-                              <m:ctrlPr>
-                                <a:rPr lang="en-US" altLang="ja-JP" sz="1200" i="1">
-                                  <a:latin typeface="Cambria Math" panose="02040503050406030204" pitchFamily="18" charset="0"/>
-                                  <a:ea typeface="Cambria Math" panose="02040503050406030204" pitchFamily="18" charset="0"/>
-                                </a:rPr>
-                              </m:ctrlPr>
-                            </m:dPr>
-                            <m:e>
-                              <m:r>
-                                <a:rPr lang="en-US" altLang="ja-JP" sz="1200" b="1" i="1">
-                                  <a:latin typeface="Cambria Math" panose="02040503050406030204" pitchFamily="18" charset="0"/>
-                                  <a:ea typeface="Cambria Math" panose="02040503050406030204" pitchFamily="18" charset="0"/>
-                                </a:rPr>
-                                <m:t>𝒙</m:t>
-                              </m:r>
-                            </m:e>
-                          </m:d>
-                          <m:r>
-                            <a:rPr lang="en-US" altLang="ja-JP" sz="1200" b="0" i="1" smtClean="0">
-                              <a:latin typeface="Cambria Math" panose="02040503050406030204" pitchFamily="18" charset="0"/>
-                              <a:ea typeface="Cambria Math" panose="02040503050406030204" pitchFamily="18" charset="0"/>
-                            </a:rPr>
-                            <m:t>+0.1</m:t>
-                          </m:r>
-                          <m:r>
-                            <a:rPr lang="en-US" altLang="ja-JP" sz="1200" b="1" i="1" smtClean="0">
-                              <a:latin typeface="Cambria Math" panose="02040503050406030204" pitchFamily="18" charset="0"/>
-                              <a:ea typeface="Cambria Math" panose="02040503050406030204" pitchFamily="18" charset="0"/>
-                            </a:rPr>
-                            <m:t>)</m:t>
-                          </m:r>
-                          <m:r>
-                            <a:rPr lang="en-US" altLang="ja-JP" sz="1200" i="1">
-                              <a:latin typeface="Cambria Math" panose="02040503050406030204" pitchFamily="18" charset="0"/>
-                              <a:ea typeface="Cambria Math" panose="02040503050406030204" pitchFamily="18" charset="0"/>
-                            </a:rPr>
-                            <m:t>,</m:t>
-                          </m:r>
-                          <m:d>
-                            <m:dPr>
-                              <m:ctrlPr>
-                                <a:rPr lang="en-US" altLang="ja-JP" sz="1200" i="1">
-                                  <a:latin typeface="Cambria Math" panose="02040503050406030204" pitchFamily="18" charset="0"/>
-                                  <a:ea typeface="Cambria Math" panose="02040503050406030204" pitchFamily="18" charset="0"/>
-                                </a:rPr>
-                              </m:ctrlPr>
-                            </m:dPr>
-                            <m:e>
-                              <m:r>
-                                <a:rPr lang="en-US" altLang="ja-JP" sz="1200" i="1">
-                                  <a:latin typeface="Cambria Math" panose="02040503050406030204" pitchFamily="18" charset="0"/>
-                                  <a:ea typeface="Cambria Math" panose="02040503050406030204" pitchFamily="18" charset="0"/>
-                                </a:rPr>
-                                <m:t>1−</m:t>
-                              </m:r>
-                              <m:r>
-                                <a:rPr lang="en-US" altLang="ja-JP" sz="1200" i="1">
-                                  <a:latin typeface="Cambria Math" panose="02040503050406030204" pitchFamily="18" charset="0"/>
-                                  <a:ea typeface="Cambria Math" panose="02040503050406030204" pitchFamily="18" charset="0"/>
-                                </a:rPr>
-                                <m:t>𝑤</m:t>
-                              </m:r>
-                            </m:e>
-                          </m:d>
-                          <m:r>
-                            <a:rPr lang="en-US" altLang="ja-JP" sz="1200" i="1">
-                              <a:latin typeface="Cambria Math" panose="02040503050406030204" pitchFamily="18" charset="0"/>
-                              <a:ea typeface="Cambria Math" panose="02040503050406030204" pitchFamily="18" charset="0"/>
-                            </a:rPr>
-                            <m:t>𝑣</m:t>
-                          </m:r>
-                          <m:d>
-                            <m:dPr>
-                              <m:ctrlPr>
-                                <a:rPr lang="en-US" altLang="ja-JP" sz="1200" i="1">
-                                  <a:latin typeface="Cambria Math" panose="02040503050406030204" pitchFamily="18" charset="0"/>
-                                  <a:ea typeface="Cambria Math" panose="02040503050406030204" pitchFamily="18" charset="0"/>
-                                </a:rPr>
-                              </m:ctrlPr>
-                            </m:dPr>
-                            <m:e>
-                              <m:r>
-                                <a:rPr lang="en-US" altLang="ja-JP" sz="1200" b="1" i="1">
-                                  <a:latin typeface="Cambria Math" panose="02040503050406030204" pitchFamily="18" charset="0"/>
-                                  <a:ea typeface="Cambria Math" panose="02040503050406030204" pitchFamily="18" charset="0"/>
-                                </a:rPr>
-                                <m:t>𝒙</m:t>
-                              </m:r>
-                            </m:e>
-                          </m:d>
-                        </m:e>
-                      </m:d>
-                      <m:r>
-                        <a:rPr lang="en-US" altLang="ja-JP" sz="1200" i="1">
-                          <a:latin typeface="Cambria Math" panose="02040503050406030204" pitchFamily="18" charset="0"/>
-                          <a:ea typeface="Cambria Math" panose="02040503050406030204" pitchFamily="18" charset="0"/>
-                        </a:rPr>
-                        <m:t>−</m:t>
-                      </m:r>
-                      <m:r>
-                        <m:rPr>
-                          <m:sty m:val="p"/>
-                        </m:rPr>
-                        <a:rPr lang="en-US" altLang="ja-JP" sz="1200">
-                          <a:latin typeface="Cambria Math" panose="02040503050406030204" pitchFamily="18" charset="0"/>
-                          <a:ea typeface="Cambria Math" panose="02040503050406030204" pitchFamily="18" charset="0"/>
-                        </a:rPr>
-                        <m:t>max</m:t>
-                      </m:r>
-                      <m:d>
-                        <m:dPr>
-                          <m:begChr m:val="{"/>
-                          <m:endChr m:val="}"/>
-                          <m:ctrlPr>
-                            <a:rPr lang="en-US" altLang="ja-JP" sz="1200" i="1">
-                              <a:latin typeface="Cambria Math" panose="02040503050406030204" pitchFamily="18" charset="0"/>
-                              <a:ea typeface="Cambria Math" panose="02040503050406030204" pitchFamily="18" charset="0"/>
-                            </a:rPr>
-                          </m:ctrlPr>
-                        </m:dPr>
-                        <m:e>
-                          <m:r>
-                            <a:rPr lang="en-US" altLang="ja-JP" sz="1200" i="1">
-                              <a:latin typeface="Cambria Math" panose="02040503050406030204" pitchFamily="18" charset="0"/>
-                              <a:ea typeface="Cambria Math" panose="02040503050406030204" pitchFamily="18" charset="0"/>
-                            </a:rPr>
-                            <m:t>𝑤</m:t>
-                          </m:r>
-                          <m:r>
-                            <a:rPr lang="en-US" altLang="ja-JP" sz="1200" i="1">
-                              <a:latin typeface="Cambria Math" panose="02040503050406030204" pitchFamily="18" charset="0"/>
-                              <a:ea typeface="Cambria Math" panose="02040503050406030204" pitchFamily="18" charset="0"/>
-                            </a:rPr>
-                            <m:t>(</m:t>
-                          </m:r>
-                          <m:r>
-                            <a:rPr lang="en-US" altLang="ja-JP" sz="1200" i="1">
-                              <a:latin typeface="Cambria Math" panose="02040503050406030204" pitchFamily="18" charset="0"/>
-                              <a:ea typeface="Cambria Math" panose="02040503050406030204" pitchFamily="18" charset="0"/>
-                            </a:rPr>
-                            <m:t>𝑓</m:t>
-                          </m:r>
-                          <m:d>
-                            <m:dPr>
-                              <m:ctrlPr>
-                                <a:rPr lang="en-US" altLang="ja-JP" sz="1200" i="1">
-                                  <a:latin typeface="Cambria Math" panose="02040503050406030204" pitchFamily="18" charset="0"/>
-                                  <a:ea typeface="Cambria Math" panose="02040503050406030204" pitchFamily="18" charset="0"/>
-                                </a:rPr>
-                              </m:ctrlPr>
-                            </m:dPr>
-                            <m:e>
-                              <m:r>
-                                <a:rPr lang="en-US" altLang="ja-JP" sz="1200" b="1" i="1" smtClean="0">
-                                  <a:latin typeface="Cambria Math" panose="02040503050406030204" pitchFamily="18" charset="0"/>
-                                  <a:ea typeface="Cambria Math" panose="02040503050406030204" pitchFamily="18" charset="0"/>
-                                </a:rPr>
-                                <m:t>𝒚</m:t>
-                              </m:r>
-                            </m:e>
-                          </m:d>
-                          <m:r>
-                            <a:rPr lang="en-US" altLang="ja-JP" sz="1200" i="1">
-                              <a:latin typeface="Cambria Math" panose="02040503050406030204" pitchFamily="18" charset="0"/>
-                              <a:ea typeface="Cambria Math" panose="02040503050406030204" pitchFamily="18" charset="0"/>
-                            </a:rPr>
-                            <m:t>+0.1</m:t>
-                          </m:r>
-                          <m:r>
-                            <a:rPr lang="en-US" altLang="ja-JP" sz="1200" b="1" i="1">
-                              <a:latin typeface="Cambria Math" panose="02040503050406030204" pitchFamily="18" charset="0"/>
-                              <a:ea typeface="Cambria Math" panose="02040503050406030204" pitchFamily="18" charset="0"/>
-                            </a:rPr>
-                            <m:t>)</m:t>
-                          </m:r>
-                          <m:r>
-                            <a:rPr lang="en-US" altLang="ja-JP" sz="1200" i="1">
-                              <a:latin typeface="Cambria Math" panose="02040503050406030204" pitchFamily="18" charset="0"/>
-                              <a:ea typeface="Cambria Math" panose="02040503050406030204" pitchFamily="18" charset="0"/>
-                            </a:rPr>
-                            <m:t>,</m:t>
-                          </m:r>
-                          <m:d>
-                            <m:dPr>
-                              <m:ctrlPr>
-                                <a:rPr lang="en-US" altLang="ja-JP" sz="1200" i="1">
-                                  <a:latin typeface="Cambria Math" panose="02040503050406030204" pitchFamily="18" charset="0"/>
-                                  <a:ea typeface="Cambria Math" panose="02040503050406030204" pitchFamily="18" charset="0"/>
-                                </a:rPr>
-                              </m:ctrlPr>
-                            </m:dPr>
-                            <m:e>
-                              <m:r>
-                                <a:rPr lang="en-US" altLang="ja-JP" sz="1200" i="1">
-                                  <a:latin typeface="Cambria Math" panose="02040503050406030204" pitchFamily="18" charset="0"/>
-                                  <a:ea typeface="Cambria Math" panose="02040503050406030204" pitchFamily="18" charset="0"/>
-                                </a:rPr>
-                                <m:t>1−</m:t>
-                              </m:r>
-                              <m:r>
-                                <a:rPr lang="en-US" altLang="ja-JP" sz="1200" i="1">
-                                  <a:latin typeface="Cambria Math" panose="02040503050406030204" pitchFamily="18" charset="0"/>
-                                  <a:ea typeface="Cambria Math" panose="02040503050406030204" pitchFamily="18" charset="0"/>
-                                </a:rPr>
-                                <m:t>𝑤</m:t>
-                              </m:r>
-                            </m:e>
-                          </m:d>
-                          <m:r>
-                            <a:rPr lang="en-US" altLang="ja-JP" sz="1200" i="1">
-                              <a:latin typeface="Cambria Math" panose="02040503050406030204" pitchFamily="18" charset="0"/>
-                              <a:ea typeface="Cambria Math" panose="02040503050406030204" pitchFamily="18" charset="0"/>
-                            </a:rPr>
-                            <m:t>𝑣</m:t>
-                          </m:r>
-                          <m:d>
-                            <m:dPr>
-                              <m:ctrlPr>
-                                <a:rPr lang="en-US" altLang="ja-JP" sz="1200" i="1">
-                                  <a:latin typeface="Cambria Math" panose="02040503050406030204" pitchFamily="18" charset="0"/>
-                                  <a:ea typeface="Cambria Math" panose="02040503050406030204" pitchFamily="18" charset="0"/>
-                                </a:rPr>
-                              </m:ctrlPr>
-                            </m:dPr>
-                            <m:e>
-                              <m:r>
-                                <a:rPr lang="en-US" altLang="ja-JP" sz="1200" b="1" i="1">
-                                  <a:latin typeface="Cambria Math" panose="02040503050406030204" pitchFamily="18" charset="0"/>
-                                  <a:ea typeface="Cambria Math" panose="02040503050406030204" pitchFamily="18" charset="0"/>
-                                </a:rPr>
-                                <m:t>𝒚</m:t>
-                              </m:r>
-                            </m:e>
-                          </m:d>
-                        </m:e>
-                      </m:d>
-                    </m:oMath>
-                  </m:oMathPara>
-                </a14:m>
-                <a:endParaRPr lang="en-US" altLang="ja-JP" sz="1200" b="1" i="1" dirty="0">
-                  <a:latin typeface="Cambria Math" panose="02040503050406030204" pitchFamily="18" charset="0"/>
-                  <a:ea typeface="Cambria Math" panose="02040503050406030204" pitchFamily="18" charset="0"/>
-                </a:endParaRPr>
-              </a:p>
-            </p:txBody>
-          </p:sp>
-        </mc:Choice>
-        <mc:Fallback>
-          <p:sp>
-            <p:nvSpPr>
-              <p:cNvPr id="13" name="テキスト ボックス 12">
-                <a:extLst>
-                  <a:ext uri="{FF2B5EF4-FFF2-40B4-BE49-F238E27FC236}">
-                    <a16:creationId xmlns:a16="http://schemas.microsoft.com/office/drawing/2014/main" id="{74B9F4A4-880C-47A2-838A-E1C79A83D46C}"/>
-                  </a:ext>
-                </a:extLst>
-              </p:cNvPr>
-              <p:cNvSpPr txBox="1">
-                <a:spLocks noRot="1" noChangeAspect="1" noMove="1" noResize="1" noEditPoints="1" noAdjustHandles="1" noChangeArrowheads="1" noChangeShapeType="1" noTextEdit="1"/>
-              </p:cNvSpPr>
-              <p:nvPr/>
-            </p:nvSpPr>
-            <p:spPr>
-              <a:xfrm>
-                <a:off x="790028" y="3859742"/>
-                <a:ext cx="10715184" cy="461665"/>
-              </a:xfrm>
-              <a:prstGeom prst="rect">
-                <a:avLst/>
-              </a:prstGeom>
-              <a:blipFill>
-                <a:blip r:embed="rId3"/>
-                <a:stretch>
-                  <a:fillRect b="-5263"/>
-                </a:stretch>
-              </a:blipFill>
-            </p:spPr>
-            <p:txBody>
-              <a:bodyPr/>
-              <a:lstStyle/>
-              <a:p>
-                <a:r>
-                  <a:rPr lang="ja-JP" altLang="en-US">
-                    <a:noFill/>
-                  </a:rPr>
-                  <a:t> </a:t>
-                </a:r>
-              </a:p>
-            </p:txBody>
-          </p:sp>
-        </mc:Fallback>
-      </mc:AlternateContent>
-      <mc:AlternateContent xmlns:mc="http://schemas.openxmlformats.org/markup-compatibility/2006">
-        <mc:Choice xmlns:a14="http://schemas.microsoft.com/office/drawing/2010/main" Requires="a14">
-          <p:sp>
-            <p:nvSpPr>
-              <p:cNvPr id="11" name="テキスト ボックス 10">
-                <a:extLst>
-                  <a:ext uri="{FF2B5EF4-FFF2-40B4-BE49-F238E27FC236}">
-                    <a16:creationId xmlns:a16="http://schemas.microsoft.com/office/drawing/2014/main" id="{68017143-15AC-4513-9996-D6F86B0F5174}"/>
-                  </a:ext>
-                </a:extLst>
-              </p:cNvPr>
-              <p:cNvSpPr txBox="1"/>
-              <p:nvPr/>
-            </p:nvSpPr>
-            <p:spPr>
-              <a:xfrm>
-                <a:off x="566342" y="1733516"/>
-                <a:ext cx="10715184" cy="1054648"/>
-              </a:xfrm>
-              <a:prstGeom prst="rect">
-                <a:avLst/>
-              </a:prstGeom>
-              <a:noFill/>
-            </p:spPr>
-            <p:txBody>
-              <a:bodyPr wrap="square" rtlCol="0">
-                <a:spAutoFit/>
-              </a:bodyPr>
-              <a:lstStyle/>
-              <a:p>
-                <a:pPr lvl="1">
-                  <a:defRPr/>
-                </a:pPr>
-                <a14:m>
-                  <m:oMathPara xmlns:m="http://schemas.openxmlformats.org/officeDocument/2006/math">
-                    <m:oMathParaPr>
-                      <m:jc m:val="left"/>
-                    </m:oMathParaPr>
-                    <m:oMath xmlns:m="http://schemas.openxmlformats.org/officeDocument/2006/math">
-                      <m:sSup>
-                        <m:sSupPr>
-                          <m:ctrlPr>
-                            <a:rPr lang="en-US" altLang="ja-JP" sz="1200" i="1" smtClean="0">
-                              <a:latin typeface="Cambria Math" panose="02040503050406030204" pitchFamily="18" charset="0"/>
-                              <a:ea typeface="Cambria Math" panose="02040503050406030204" pitchFamily="18" charset="0"/>
-                            </a:rPr>
-                          </m:ctrlPr>
-                        </m:sSupPr>
-                        <m:e>
-                          <m:r>
-                            <a:rPr lang="en-US" altLang="ja-JP" sz="1200" b="0" i="1" smtClean="0">
-                              <a:latin typeface="Cambria Math" panose="02040503050406030204" pitchFamily="18" charset="0"/>
-                              <a:ea typeface="Cambria Math" panose="02040503050406030204" pitchFamily="18" charset="0"/>
-                            </a:rPr>
-                            <m:t>(</m:t>
-                          </m:r>
-                          <m:r>
-                            <a:rPr lang="en-US" altLang="ja-JP" sz="1200" i="1">
-                              <a:latin typeface="Cambria Math" panose="02040503050406030204" pitchFamily="18" charset="0"/>
-                              <a:ea typeface="Cambria Math" panose="02040503050406030204" pitchFamily="18" charset="0"/>
-                            </a:rPr>
-                            <m:t>𝑥</m:t>
-                          </m:r>
-                          <m:r>
-                            <a:rPr lang="en-US" altLang="ja-JP" sz="1200" b="0" i="1" smtClean="0">
-                              <a:latin typeface="Cambria Math" panose="02040503050406030204" pitchFamily="18" charset="0"/>
-                              <a:ea typeface="Cambria Math" panose="02040503050406030204" pitchFamily="18" charset="0"/>
-                            </a:rPr>
-                            <m:t>−1)</m:t>
-                          </m:r>
-                        </m:e>
-                        <m:sup>
-                          <m:r>
-                            <a:rPr lang="en-US" altLang="ja-JP" sz="1200" i="1">
-                              <a:latin typeface="Cambria Math" panose="02040503050406030204" pitchFamily="18" charset="0"/>
-                              <a:ea typeface="Cambria Math" panose="02040503050406030204" pitchFamily="18" charset="0"/>
-                            </a:rPr>
-                            <m:t>2</m:t>
-                          </m:r>
-                        </m:sup>
-                      </m:sSup>
-                      <m:r>
-                        <a:rPr lang="en-US" altLang="ja-JP" sz="1200" b="0" i="1" smtClean="0">
-                          <a:latin typeface="Cambria Math" panose="02040503050406030204" pitchFamily="18" charset="0"/>
-                          <a:ea typeface="Cambria Math" panose="02040503050406030204" pitchFamily="18" charset="0"/>
-                        </a:rPr>
-                        <m:t>+</m:t>
-                      </m:r>
-                      <m:sSup>
-                        <m:sSupPr>
-                          <m:ctrlPr>
-                            <a:rPr lang="en-US" altLang="ja-JP" sz="1200" i="1">
-                              <a:latin typeface="Cambria Math" panose="02040503050406030204" pitchFamily="18" charset="0"/>
-                              <a:ea typeface="Cambria Math" panose="02040503050406030204" pitchFamily="18" charset="0"/>
-                            </a:rPr>
-                          </m:ctrlPr>
-                        </m:sSupPr>
-                        <m:e>
-                          <m:r>
-                            <a:rPr lang="en-US" altLang="ja-JP" sz="1200" i="1">
-                              <a:latin typeface="Cambria Math" panose="02040503050406030204" pitchFamily="18" charset="0"/>
-                              <a:ea typeface="Cambria Math" panose="02040503050406030204" pitchFamily="18" charset="0"/>
-                            </a:rPr>
-                            <m:t>(</m:t>
-                          </m:r>
-                          <m:r>
-                            <a:rPr lang="en-US" altLang="ja-JP" sz="1200" b="0" i="1" smtClean="0">
-                              <a:latin typeface="Cambria Math" panose="02040503050406030204" pitchFamily="18" charset="0"/>
-                              <a:ea typeface="Cambria Math" panose="02040503050406030204" pitchFamily="18" charset="0"/>
-                            </a:rPr>
-                            <m:t>𝑦</m:t>
-                          </m:r>
-                          <m:r>
-                            <a:rPr lang="en-US" altLang="ja-JP" sz="1200" i="1">
-                              <a:latin typeface="Cambria Math" panose="02040503050406030204" pitchFamily="18" charset="0"/>
-                              <a:ea typeface="Cambria Math" panose="02040503050406030204" pitchFamily="18" charset="0"/>
-                            </a:rPr>
-                            <m:t>−1)</m:t>
-                          </m:r>
-                        </m:e>
-                        <m:sup>
-                          <m:r>
-                            <a:rPr lang="en-US" altLang="ja-JP" sz="1200" i="1">
-                              <a:latin typeface="Cambria Math" panose="02040503050406030204" pitchFamily="18" charset="0"/>
-                              <a:ea typeface="Cambria Math" panose="02040503050406030204" pitchFamily="18" charset="0"/>
-                            </a:rPr>
-                            <m:t>2</m:t>
-                          </m:r>
-                        </m:sup>
-                      </m:sSup>
-                      <m:r>
-                        <a:rPr lang="en-US" altLang="ja-JP" sz="1200" i="1">
-                          <a:latin typeface="Cambria Math" panose="02040503050406030204" pitchFamily="18" charset="0"/>
-                          <a:ea typeface="Cambria Math" panose="02040503050406030204" pitchFamily="18" charset="0"/>
-                        </a:rPr>
-                        <m:t>=</m:t>
-                      </m:r>
-                      <m:r>
-                        <a:rPr lang="en-US" altLang="ja-JP" sz="1200" b="0" i="1" smtClean="0">
-                          <a:latin typeface="Cambria Math" panose="02040503050406030204" pitchFamily="18" charset="0"/>
-                          <a:ea typeface="Cambria Math" panose="02040503050406030204" pitchFamily="18" charset="0"/>
-                        </a:rPr>
-                        <m:t>1  </m:t>
-                      </m:r>
-                      <m:r>
-                        <a:rPr lang="en-US" altLang="ja-JP" sz="1200" b="0" i="1" smtClean="0">
-                          <a:latin typeface="Cambria Math" panose="02040503050406030204" pitchFamily="18" charset="0"/>
-                          <a:ea typeface="Cambria Math" panose="02040503050406030204" pitchFamily="18" charset="0"/>
-                        </a:rPr>
-                        <m:t>𝑥</m:t>
-                      </m:r>
-                      <m:r>
-                        <a:rPr lang="en-US" altLang="ja-JP" sz="1200" b="0" i="1" smtClean="0">
-                          <a:latin typeface="Cambria Math" panose="02040503050406030204" pitchFamily="18" charset="0"/>
-                          <a:ea typeface="Cambria Math" panose="02040503050406030204" pitchFamily="18" charset="0"/>
-                        </a:rPr>
-                        <m:t>,</m:t>
-                      </m:r>
-                      <m:r>
-                        <a:rPr lang="en-US" altLang="ja-JP" sz="1200" i="1">
-                          <a:latin typeface="Cambria Math" panose="02040503050406030204" pitchFamily="18" charset="0"/>
-                          <a:ea typeface="Cambria Math" panose="02040503050406030204" pitchFamily="18" charset="0"/>
-                        </a:rPr>
-                        <m:t>𝑦</m:t>
-                      </m:r>
-                      <m:r>
-                        <a:rPr lang="en-US" altLang="ja-JP" sz="1200" b="0" i="1" smtClean="0">
-                          <a:latin typeface="Cambria Math" panose="02040503050406030204" pitchFamily="18" charset="0"/>
-                          <a:ea typeface="Cambria Math" panose="02040503050406030204" pitchFamily="18" charset="0"/>
-                        </a:rPr>
-                        <m:t>&gt;0</m:t>
-                      </m:r>
-                    </m:oMath>
-                  </m:oMathPara>
-                </a14:m>
-                <a:endParaRPr lang="en-US" altLang="ja-JP" sz="1200" dirty="0">
-                  <a:latin typeface="Cambria Math" panose="02040503050406030204" pitchFamily="18" charset="0"/>
-                  <a:ea typeface="Cambria Math" panose="02040503050406030204" pitchFamily="18" charset="0"/>
-                </a:endParaRPr>
-              </a:p>
-              <a:p>
-                <a:pPr lvl="1">
-                  <a:defRPr/>
-                </a:pPr>
-                <a14:m>
-                  <m:oMathPara xmlns:m="http://schemas.openxmlformats.org/officeDocument/2006/math">
-                    <m:oMathParaPr>
-                      <m:jc m:val="left"/>
-                    </m:oMathParaPr>
-                    <m:oMath xmlns:m="http://schemas.openxmlformats.org/officeDocument/2006/math">
-                      <m:sSup>
-                        <m:sSupPr>
-                          <m:ctrlPr>
-                            <a:rPr lang="en-US" altLang="ja-JP" sz="1200" i="1" smtClean="0">
-                              <a:latin typeface="Cambria Math" panose="02040503050406030204" pitchFamily="18" charset="0"/>
-                              <a:ea typeface="Cambria Math" panose="02040503050406030204" pitchFamily="18" charset="0"/>
-                            </a:rPr>
-                          </m:ctrlPr>
-                        </m:sSupPr>
-                        <m:e>
-                          <m:r>
-                            <a:rPr lang="en-US" altLang="ja-JP" sz="1200" b="0" i="1" smtClean="0">
-                              <a:latin typeface="Cambria Math" panose="02040503050406030204" pitchFamily="18" charset="0"/>
-                              <a:ea typeface="Cambria Math" panose="02040503050406030204" pitchFamily="18" charset="0"/>
-                            </a:rPr>
-                            <m:t>(</m:t>
-                          </m:r>
-                          <m:r>
-                            <a:rPr lang="en-US" altLang="ja-JP" sz="1200" i="1">
-                              <a:latin typeface="Cambria Math" panose="02040503050406030204" pitchFamily="18" charset="0"/>
-                              <a:ea typeface="Cambria Math" panose="02040503050406030204" pitchFamily="18" charset="0"/>
-                            </a:rPr>
-                            <m:t>𝑥</m:t>
-                          </m:r>
-                          <m:r>
-                            <a:rPr lang="en-US" altLang="ja-JP" sz="1200" b="0" i="1" smtClean="0">
-                              <a:latin typeface="Cambria Math" panose="02040503050406030204" pitchFamily="18" charset="0"/>
-                              <a:ea typeface="Cambria Math" panose="02040503050406030204" pitchFamily="18" charset="0"/>
-                            </a:rPr>
-                            <m:t>−1)</m:t>
-                          </m:r>
-                        </m:e>
-                        <m:sup>
-                          <m:r>
-                            <a:rPr lang="en-US" altLang="ja-JP" sz="1200" i="1">
-                              <a:latin typeface="Cambria Math" panose="02040503050406030204" pitchFamily="18" charset="0"/>
-                              <a:ea typeface="Cambria Math" panose="02040503050406030204" pitchFamily="18" charset="0"/>
-                            </a:rPr>
-                            <m:t>2</m:t>
-                          </m:r>
-                        </m:sup>
-                      </m:sSup>
-                      <m:r>
-                        <a:rPr lang="en-US" altLang="ja-JP" sz="1200" i="1">
-                          <a:latin typeface="Cambria Math" panose="02040503050406030204" pitchFamily="18" charset="0"/>
-                          <a:ea typeface="Cambria Math" panose="02040503050406030204" pitchFamily="18" charset="0"/>
-                        </a:rPr>
-                        <m:t>=</m:t>
-                      </m:r>
-                      <m:r>
-                        <a:rPr lang="en-US" altLang="ja-JP" sz="1200" b="0" i="1" smtClean="0">
-                          <a:latin typeface="Cambria Math" panose="02040503050406030204" pitchFamily="18" charset="0"/>
-                          <a:ea typeface="Cambria Math" panose="02040503050406030204" pitchFamily="18" charset="0"/>
-                        </a:rPr>
-                        <m:t>1</m:t>
-                      </m:r>
-                      <m:r>
-                        <a:rPr lang="en-US" altLang="ja-JP" sz="1200" b="0" i="1" smtClean="0">
-                          <a:latin typeface="Cambria Math" panose="02040503050406030204" pitchFamily="18" charset="0"/>
-                          <a:ea typeface="Cambria Math" panose="02040503050406030204" pitchFamily="18" charset="0"/>
-                        </a:rPr>
-                        <m:t>−</m:t>
-                      </m:r>
-                      <m:sSup>
-                        <m:sSupPr>
-                          <m:ctrlPr>
-                            <a:rPr lang="en-US" altLang="ja-JP" sz="1200" i="1">
-                              <a:latin typeface="Cambria Math" panose="02040503050406030204" pitchFamily="18" charset="0"/>
-                              <a:ea typeface="Cambria Math" panose="02040503050406030204" pitchFamily="18" charset="0"/>
-                            </a:rPr>
-                          </m:ctrlPr>
-                        </m:sSupPr>
-                        <m:e>
-                          <m:r>
-                            <a:rPr lang="en-US" altLang="ja-JP" sz="1200" i="1">
-                              <a:latin typeface="Cambria Math" panose="02040503050406030204" pitchFamily="18" charset="0"/>
-                              <a:ea typeface="Cambria Math" panose="02040503050406030204" pitchFamily="18" charset="0"/>
-                            </a:rPr>
-                            <m:t>(</m:t>
-                          </m:r>
-                          <m:r>
-                            <a:rPr lang="en-US" altLang="ja-JP" sz="1200" i="1">
-                              <a:latin typeface="Cambria Math" panose="02040503050406030204" pitchFamily="18" charset="0"/>
-                              <a:ea typeface="Cambria Math" panose="02040503050406030204" pitchFamily="18" charset="0"/>
-                            </a:rPr>
-                            <m:t>𝑦</m:t>
-                          </m:r>
-                          <m:r>
-                            <a:rPr lang="en-US" altLang="ja-JP" sz="1200" i="1">
-                              <a:latin typeface="Cambria Math" panose="02040503050406030204" pitchFamily="18" charset="0"/>
-                              <a:ea typeface="Cambria Math" panose="02040503050406030204" pitchFamily="18" charset="0"/>
-                            </a:rPr>
-                            <m:t>−1)</m:t>
-                          </m:r>
-                        </m:e>
-                        <m:sup>
-                          <m:r>
-                            <a:rPr lang="en-US" altLang="ja-JP" sz="1200" i="1">
-                              <a:latin typeface="Cambria Math" panose="02040503050406030204" pitchFamily="18" charset="0"/>
-                              <a:ea typeface="Cambria Math" panose="02040503050406030204" pitchFamily="18" charset="0"/>
-                            </a:rPr>
-                            <m:t>2</m:t>
-                          </m:r>
-                        </m:sup>
-                      </m:sSup>
-                    </m:oMath>
-                  </m:oMathPara>
-                </a14:m>
-                <a:endParaRPr lang="en-US" altLang="ja-JP" sz="1200" i="1" dirty="0">
-                  <a:latin typeface="Cambria Math" panose="02040503050406030204" pitchFamily="18" charset="0"/>
-                  <a:ea typeface="Cambria Math" panose="02040503050406030204" pitchFamily="18" charset="0"/>
-                </a:endParaRPr>
-              </a:p>
-              <a:p>
-                <a:pPr lvl="1">
-                  <a:defRPr/>
-                </a:pPr>
-                <a14:m>
-                  <m:oMathPara xmlns:m="http://schemas.openxmlformats.org/officeDocument/2006/math">
-                    <m:oMathParaPr>
-                      <m:jc m:val="left"/>
-                    </m:oMathParaPr>
-                    <m:oMath xmlns:m="http://schemas.openxmlformats.org/officeDocument/2006/math">
-                      <m:r>
-                        <a:rPr lang="en-US" altLang="ja-JP" sz="1200" i="1" smtClean="0">
-                          <a:latin typeface="Cambria Math" panose="02040503050406030204" pitchFamily="18" charset="0"/>
-                          <a:ea typeface="Cambria Math" panose="02040503050406030204" pitchFamily="18" charset="0"/>
-                        </a:rPr>
-                        <m:t>𝑥</m:t>
-                      </m:r>
-                      <m:r>
-                        <a:rPr lang="en-US" altLang="ja-JP" sz="1200" b="0" i="1" smtClean="0">
-                          <a:latin typeface="Cambria Math" panose="02040503050406030204" pitchFamily="18" charset="0"/>
-                          <a:ea typeface="Cambria Math" panose="02040503050406030204" pitchFamily="18" charset="0"/>
-                        </a:rPr>
-                        <m:t>=</m:t>
-                      </m:r>
-                      <m:r>
-                        <a:rPr lang="en-US" altLang="ja-JP" sz="1200" b="0" i="1" smtClean="0">
-                          <a:latin typeface="Cambria Math" panose="02040503050406030204" pitchFamily="18" charset="0"/>
-                          <a:ea typeface="Cambria Math" panose="02040503050406030204" pitchFamily="18" charset="0"/>
-                        </a:rPr>
-                        <m:t>𝑐𝑜𝑠𝑡</m:t>
-                      </m:r>
-                      <m:r>
-                        <a:rPr lang="en-US" altLang="ja-JP" sz="1200" b="0" i="1" smtClean="0">
-                          <a:latin typeface="Cambria Math" panose="02040503050406030204" pitchFamily="18" charset="0"/>
-                          <a:ea typeface="Cambria Math" panose="02040503050406030204" pitchFamily="18" charset="0"/>
-                        </a:rPr>
-                        <m:t>, </m:t>
-                      </m:r>
-                      <m:r>
-                        <a:rPr lang="en-US" altLang="ja-JP" sz="1200" b="0" i="1" smtClean="0">
-                          <a:latin typeface="Cambria Math" panose="02040503050406030204" pitchFamily="18" charset="0"/>
-                          <a:ea typeface="Cambria Math" panose="02040503050406030204" pitchFamily="18" charset="0"/>
-                        </a:rPr>
-                        <m:t>𝑦</m:t>
-                      </m:r>
-                      <m:r>
-                        <a:rPr lang="en-US" altLang="ja-JP" sz="1200" b="0" i="1" smtClean="0">
-                          <a:latin typeface="Cambria Math" panose="02040503050406030204" pitchFamily="18" charset="0"/>
-                          <a:ea typeface="Cambria Math" panose="02040503050406030204" pitchFamily="18" charset="0"/>
-                        </a:rPr>
-                        <m:t>=</m:t>
-                      </m:r>
-                      <m:r>
-                        <a:rPr lang="en-US" altLang="ja-JP" sz="1200" b="0" i="1" smtClean="0">
-                          <a:latin typeface="Cambria Math" panose="02040503050406030204" pitchFamily="18" charset="0"/>
-                          <a:ea typeface="Cambria Math" panose="02040503050406030204" pitchFamily="18" charset="0"/>
-                        </a:rPr>
-                        <m:t>𝑠𝑖𝑛𝑡</m:t>
-                      </m:r>
-                      <m:r>
-                        <a:rPr lang="en-US" altLang="ja-JP" sz="1200" b="0" i="1" smtClean="0">
-                          <a:latin typeface="Cambria Math" panose="02040503050406030204" pitchFamily="18" charset="0"/>
-                          <a:ea typeface="Cambria Math" panose="02040503050406030204" pitchFamily="18" charset="0"/>
-                        </a:rPr>
-                        <m:t>, </m:t>
-                      </m:r>
-                      <m:r>
-                        <a:rPr lang="en-US" altLang="ja-JP" sz="1200" b="0" i="1" smtClean="0">
-                          <a:latin typeface="Cambria Math" panose="02040503050406030204" pitchFamily="18" charset="0"/>
-                          <a:ea typeface="Cambria Math" panose="02040503050406030204" pitchFamily="18" charset="0"/>
-                        </a:rPr>
-                        <m:t>𝑡</m:t>
-                      </m:r>
-                      <m:r>
-                        <a:rPr lang="en-US" altLang="ja-JP" sz="1200" b="0" i="1" smtClean="0">
-                          <a:latin typeface="Cambria Math" panose="02040503050406030204" pitchFamily="18" charset="0"/>
-                          <a:ea typeface="Cambria Math" panose="02040503050406030204" pitchFamily="18" charset="0"/>
-                        </a:rPr>
-                        <m:t>=</m:t>
-                      </m:r>
-                    </m:oMath>
-                  </m:oMathPara>
-                </a14:m>
-                <a:endParaRPr lang="en-US" altLang="ja-JP" sz="1200" i="1" dirty="0">
-                  <a:latin typeface="Cambria Math" panose="02040503050406030204" pitchFamily="18" charset="0"/>
-                  <a:ea typeface="Cambria Math" panose="02040503050406030204" pitchFamily="18" charset="0"/>
-                </a:endParaRPr>
-              </a:p>
-              <a:p>
-                <a:pPr lvl="1">
-                  <a:defRPr/>
-                </a:pPr>
-                <a14:m>
-                  <m:oMathPara xmlns:m="http://schemas.openxmlformats.org/officeDocument/2006/math">
-                    <m:oMathParaPr>
-                      <m:jc m:val="left"/>
-                    </m:oMathParaPr>
-                    <m:oMath xmlns:m="http://schemas.openxmlformats.org/officeDocument/2006/math">
-                      <m:r>
-                        <a:rPr lang="en-US" altLang="ja-JP" sz="1200" i="1">
-                          <a:latin typeface="Cambria Math" panose="02040503050406030204" pitchFamily="18" charset="0"/>
-                          <a:ea typeface="Cambria Math" panose="02040503050406030204" pitchFamily="18" charset="0"/>
-                        </a:rPr>
-                        <m:t>𝑥</m:t>
-                      </m:r>
-                      <m:r>
-                        <a:rPr lang="en-US" altLang="ja-JP" sz="1200" b="0" i="1" smtClean="0">
-                          <a:latin typeface="Cambria Math" panose="02040503050406030204" pitchFamily="18" charset="0"/>
-                          <a:ea typeface="Cambria Math" panose="02040503050406030204" pitchFamily="18" charset="0"/>
-                        </a:rPr>
-                        <m:t>=1+</m:t>
-                      </m:r>
-                      <m:rad>
-                        <m:radPr>
-                          <m:degHide m:val="on"/>
-                          <m:ctrlPr>
-                            <a:rPr lang="en-US" altLang="ja-JP" sz="1200" b="0" i="1" smtClean="0">
-                              <a:latin typeface="Cambria Math" panose="02040503050406030204" pitchFamily="18" charset="0"/>
-                              <a:ea typeface="Cambria Math" panose="02040503050406030204" pitchFamily="18" charset="0"/>
-                            </a:rPr>
-                          </m:ctrlPr>
-                        </m:radPr>
-                        <m:deg/>
-                        <m:e>
-                          <m:r>
-                            <a:rPr lang="en-US" altLang="ja-JP" sz="1200" b="0" i="1" smtClean="0">
-                              <a:latin typeface="Cambria Math" panose="02040503050406030204" pitchFamily="18" charset="0"/>
-                              <a:ea typeface="Cambria Math" panose="02040503050406030204" pitchFamily="18" charset="0"/>
-                            </a:rPr>
-                            <m:t>1−</m:t>
-                          </m:r>
-                          <m:sSup>
-                            <m:sSupPr>
-                              <m:ctrlPr>
-                                <a:rPr lang="en-US" altLang="ja-JP" sz="1200" i="1">
-                                  <a:latin typeface="Cambria Math" panose="02040503050406030204" pitchFamily="18" charset="0"/>
-                                  <a:ea typeface="Cambria Math" panose="02040503050406030204" pitchFamily="18" charset="0"/>
-                                </a:rPr>
-                              </m:ctrlPr>
-                            </m:sSupPr>
-                            <m:e>
-                              <m:r>
-                                <a:rPr lang="en-US" altLang="ja-JP" sz="1200" i="1">
-                                  <a:latin typeface="Cambria Math" panose="02040503050406030204" pitchFamily="18" charset="0"/>
-                                  <a:ea typeface="Cambria Math" panose="02040503050406030204" pitchFamily="18" charset="0"/>
-                                </a:rPr>
-                                <m:t>(</m:t>
-                              </m:r>
-                              <m:r>
-                                <a:rPr lang="en-US" altLang="ja-JP" sz="1200" i="1">
-                                  <a:latin typeface="Cambria Math" panose="02040503050406030204" pitchFamily="18" charset="0"/>
-                                  <a:ea typeface="Cambria Math" panose="02040503050406030204" pitchFamily="18" charset="0"/>
-                                </a:rPr>
-                                <m:t>𝑦</m:t>
-                              </m:r>
-                              <m:r>
-                                <a:rPr lang="en-US" altLang="ja-JP" sz="1200" i="1">
-                                  <a:latin typeface="Cambria Math" panose="02040503050406030204" pitchFamily="18" charset="0"/>
-                                  <a:ea typeface="Cambria Math" panose="02040503050406030204" pitchFamily="18" charset="0"/>
-                                </a:rPr>
-                                <m:t>−1)</m:t>
-                              </m:r>
-                            </m:e>
-                            <m:sup>
-                              <m:r>
-                                <a:rPr lang="en-US" altLang="ja-JP" sz="1200" i="1">
-                                  <a:latin typeface="Cambria Math" panose="02040503050406030204" pitchFamily="18" charset="0"/>
-                                  <a:ea typeface="Cambria Math" panose="02040503050406030204" pitchFamily="18" charset="0"/>
-                                </a:rPr>
-                                <m:t>2</m:t>
-                              </m:r>
-                            </m:sup>
-                          </m:sSup>
-                        </m:e>
-                      </m:rad>
-                    </m:oMath>
-                  </m:oMathPara>
-                </a14:m>
-                <a:endParaRPr lang="en-US" altLang="ja-JP" sz="1200" i="1" dirty="0">
-                  <a:latin typeface="Cambria Math" panose="02040503050406030204" pitchFamily="18" charset="0"/>
-                  <a:ea typeface="Cambria Math" panose="02040503050406030204" pitchFamily="18" charset="0"/>
-                </a:endParaRPr>
-              </a:p>
-              <a:p>
-                <a:pPr lvl="1">
-                  <a:defRPr/>
-                </a:pPr>
-                <a14:m>
-                  <m:oMathPara xmlns:m="http://schemas.openxmlformats.org/officeDocument/2006/math">
-                    <m:oMathParaPr>
-                      <m:jc m:val="left"/>
-                    </m:oMathParaPr>
-                    <m:oMath xmlns:m="http://schemas.openxmlformats.org/officeDocument/2006/math">
-                      <m:sSup>
-                        <m:sSupPr>
-                          <m:ctrlPr>
-                            <a:rPr lang="en-US" altLang="ja-JP" sz="1200" i="1">
-                              <a:latin typeface="Cambria Math" panose="02040503050406030204" pitchFamily="18" charset="0"/>
-                              <a:ea typeface="Cambria Math" panose="02040503050406030204" pitchFamily="18" charset="0"/>
-                            </a:rPr>
-                          </m:ctrlPr>
-                        </m:sSupPr>
-                        <m:e>
-                          <m:r>
-                            <a:rPr lang="en-US" altLang="ja-JP" sz="1200" i="1">
-                              <a:latin typeface="Cambria Math" panose="02040503050406030204" pitchFamily="18" charset="0"/>
-                              <a:ea typeface="Cambria Math" panose="02040503050406030204" pitchFamily="18" charset="0"/>
-                            </a:rPr>
-                            <m:t>𝑆</m:t>
-                          </m:r>
-                        </m:e>
-                        <m:sup>
-                          <m:r>
-                            <a:rPr lang="en-US" altLang="ja-JP" sz="1200" i="1">
-                              <a:latin typeface="Cambria Math" panose="02040503050406030204" pitchFamily="18" charset="0"/>
-                              <a:ea typeface="Cambria Math" panose="02040503050406030204" pitchFamily="18" charset="0"/>
-                            </a:rPr>
-                            <m:t>2</m:t>
-                          </m:r>
-                        </m:sup>
-                      </m:sSup>
-                      <m:d>
-                        <m:dPr>
-                          <m:ctrlPr>
-                            <a:rPr lang="en-US" altLang="ja-JP" sz="1200" i="1">
-                              <a:latin typeface="Cambria Math" panose="02040503050406030204" pitchFamily="18" charset="0"/>
-                              <a:ea typeface="Cambria Math" panose="02040503050406030204" pitchFamily="18" charset="0"/>
-                            </a:rPr>
-                          </m:ctrlPr>
-                        </m:dPr>
-                        <m:e>
-                          <m:r>
-                            <a:rPr lang="en-US" altLang="ja-JP" sz="1200" b="1" i="1">
-                              <a:latin typeface="Cambria Math" panose="02040503050406030204" pitchFamily="18" charset="0"/>
-                              <a:ea typeface="Cambria Math" panose="02040503050406030204" pitchFamily="18" charset="0"/>
-                            </a:rPr>
-                            <m:t>𝒙</m:t>
-                          </m:r>
-                          <m:r>
-                            <a:rPr lang="en-US" altLang="ja-JP" sz="1200" i="1">
-                              <a:latin typeface="Cambria Math" panose="02040503050406030204" pitchFamily="18" charset="0"/>
-                              <a:ea typeface="Cambria Math" panose="02040503050406030204" pitchFamily="18" charset="0"/>
-                            </a:rPr>
-                            <m:t>;</m:t>
-                          </m:r>
-                          <m:r>
-                            <a:rPr lang="en-US" altLang="ja-JP" sz="1200" i="1">
-                              <a:latin typeface="Cambria Math" panose="02040503050406030204" pitchFamily="18" charset="0"/>
-                              <a:ea typeface="Cambria Math" panose="02040503050406030204" pitchFamily="18" charset="0"/>
-                            </a:rPr>
-                            <m:t>𝑤</m:t>
-                          </m:r>
-                        </m:e>
-                      </m:d>
-                      <m:r>
-                        <a:rPr lang="en-US" altLang="ja-JP" sz="1200" i="1">
-                          <a:latin typeface="Cambria Math" panose="02040503050406030204" pitchFamily="18" charset="0"/>
-                          <a:ea typeface="Cambria Math" panose="02040503050406030204" pitchFamily="18" charset="0"/>
-                        </a:rPr>
-                        <m:t>−</m:t>
-                      </m:r>
-                      <m:sSup>
-                        <m:sSupPr>
-                          <m:ctrlPr>
-                            <a:rPr lang="en-US" altLang="ja-JP" sz="1200" i="1">
-                              <a:latin typeface="Cambria Math" panose="02040503050406030204" pitchFamily="18" charset="0"/>
-                              <a:ea typeface="Cambria Math" panose="02040503050406030204" pitchFamily="18" charset="0"/>
-                            </a:rPr>
-                          </m:ctrlPr>
-                        </m:sSupPr>
-                        <m:e>
-                          <m:r>
-                            <a:rPr lang="en-US" altLang="ja-JP" sz="1200" i="1">
-                              <a:latin typeface="Cambria Math" panose="02040503050406030204" pitchFamily="18" charset="0"/>
-                              <a:ea typeface="Cambria Math" panose="02040503050406030204" pitchFamily="18" charset="0"/>
-                            </a:rPr>
-                            <m:t>𝑆</m:t>
-                          </m:r>
-                        </m:e>
-                        <m:sup>
-                          <m:r>
-                            <a:rPr lang="en-US" altLang="ja-JP" sz="1200" i="1">
-                              <a:latin typeface="Cambria Math" panose="02040503050406030204" pitchFamily="18" charset="0"/>
-                              <a:ea typeface="Cambria Math" panose="02040503050406030204" pitchFamily="18" charset="0"/>
-                            </a:rPr>
-                            <m:t>2</m:t>
-                          </m:r>
-                        </m:sup>
-                      </m:sSup>
-                      <m:d>
-                        <m:dPr>
-                          <m:ctrlPr>
-                            <a:rPr lang="en-US" altLang="ja-JP" sz="1200" i="1">
-                              <a:latin typeface="Cambria Math" panose="02040503050406030204" pitchFamily="18" charset="0"/>
-                              <a:ea typeface="Cambria Math" panose="02040503050406030204" pitchFamily="18" charset="0"/>
-                            </a:rPr>
-                          </m:ctrlPr>
-                        </m:dPr>
-                        <m:e>
-                          <m:r>
-                            <a:rPr lang="en-US" altLang="ja-JP" sz="1200" b="1" i="1">
-                              <a:latin typeface="Cambria Math" panose="02040503050406030204" pitchFamily="18" charset="0"/>
-                              <a:ea typeface="Cambria Math" panose="02040503050406030204" pitchFamily="18" charset="0"/>
-                            </a:rPr>
-                            <m:t>𝒚</m:t>
-                          </m:r>
-                          <m:r>
-                            <a:rPr lang="en-US" altLang="ja-JP" sz="1200" i="1">
-                              <a:latin typeface="Cambria Math" panose="02040503050406030204" pitchFamily="18" charset="0"/>
-                              <a:ea typeface="Cambria Math" panose="02040503050406030204" pitchFamily="18" charset="0"/>
-                            </a:rPr>
-                            <m:t>;</m:t>
-                          </m:r>
-                          <m:r>
-                            <a:rPr lang="en-US" altLang="ja-JP" sz="1200" i="1">
-                              <a:latin typeface="Cambria Math" panose="02040503050406030204" pitchFamily="18" charset="0"/>
-                              <a:ea typeface="Cambria Math" panose="02040503050406030204" pitchFamily="18" charset="0"/>
-                            </a:rPr>
-                            <m:t>𝑤</m:t>
-                          </m:r>
-                        </m:e>
-                      </m:d>
-                      <m:r>
-                        <a:rPr lang="en-US" altLang="ja-JP" sz="1200" i="1">
-                          <a:latin typeface="Cambria Math" panose="02040503050406030204" pitchFamily="18" charset="0"/>
-                          <a:ea typeface="Cambria Math" panose="02040503050406030204" pitchFamily="18" charset="0"/>
-                        </a:rPr>
-                        <m:t>=</m:t>
-                      </m:r>
-                      <m:r>
-                        <m:rPr>
-                          <m:sty m:val="p"/>
-                        </m:rPr>
-                        <a:rPr lang="en-US" altLang="ja-JP" sz="1200">
-                          <a:latin typeface="Cambria Math" panose="02040503050406030204" pitchFamily="18" charset="0"/>
-                          <a:ea typeface="Cambria Math" panose="02040503050406030204" pitchFamily="18" charset="0"/>
-                        </a:rPr>
-                        <m:t>max</m:t>
-                      </m:r>
-                      <m:d>
-                        <m:dPr>
-                          <m:begChr m:val="{"/>
-                          <m:endChr m:val="}"/>
-                          <m:ctrlPr>
-                            <a:rPr lang="en-US" altLang="ja-JP" sz="1200" i="1">
-                              <a:latin typeface="Cambria Math" panose="02040503050406030204" pitchFamily="18" charset="0"/>
-                              <a:ea typeface="Cambria Math" panose="02040503050406030204" pitchFamily="18" charset="0"/>
-                            </a:rPr>
-                          </m:ctrlPr>
-                        </m:dPr>
-                        <m:e>
-                          <m:r>
-                            <a:rPr lang="en-US" altLang="ja-JP" sz="1200" i="1">
-                              <a:latin typeface="Cambria Math" panose="02040503050406030204" pitchFamily="18" charset="0"/>
-                              <a:ea typeface="Cambria Math" panose="02040503050406030204" pitchFamily="18" charset="0"/>
-                            </a:rPr>
-                            <m:t>𝑤</m:t>
-                          </m:r>
-                          <m:r>
-                            <a:rPr lang="en-US" altLang="ja-JP" sz="1200" b="0" i="1" smtClean="0">
-                              <a:latin typeface="Cambria Math" panose="02040503050406030204" pitchFamily="18" charset="0"/>
-                              <a:ea typeface="Cambria Math" panose="02040503050406030204" pitchFamily="18" charset="0"/>
-                            </a:rPr>
-                            <m:t>(</m:t>
-                          </m:r>
-                          <m:r>
-                            <a:rPr lang="en-US" altLang="ja-JP" sz="1200" i="1">
-                              <a:latin typeface="Cambria Math" panose="02040503050406030204" pitchFamily="18" charset="0"/>
-                              <a:ea typeface="Cambria Math" panose="02040503050406030204" pitchFamily="18" charset="0"/>
-                            </a:rPr>
-                            <m:t>𝑓</m:t>
-                          </m:r>
-                          <m:d>
-                            <m:dPr>
-                              <m:ctrlPr>
-                                <a:rPr lang="en-US" altLang="ja-JP" sz="1200" i="1">
-                                  <a:latin typeface="Cambria Math" panose="02040503050406030204" pitchFamily="18" charset="0"/>
-                                  <a:ea typeface="Cambria Math" panose="02040503050406030204" pitchFamily="18" charset="0"/>
-                                </a:rPr>
-                              </m:ctrlPr>
-                            </m:dPr>
-                            <m:e>
-                              <m:r>
-                                <a:rPr lang="en-US" altLang="ja-JP" sz="1200" b="1" i="1">
-                                  <a:latin typeface="Cambria Math" panose="02040503050406030204" pitchFamily="18" charset="0"/>
-                                  <a:ea typeface="Cambria Math" panose="02040503050406030204" pitchFamily="18" charset="0"/>
-                                </a:rPr>
-                                <m:t>𝒙</m:t>
-                              </m:r>
-                            </m:e>
-                          </m:d>
-                          <m:r>
-                            <a:rPr lang="en-US" altLang="ja-JP" sz="1200" b="0" i="1" smtClean="0">
-                              <a:latin typeface="Cambria Math" panose="02040503050406030204" pitchFamily="18" charset="0"/>
-                              <a:ea typeface="Cambria Math" panose="02040503050406030204" pitchFamily="18" charset="0"/>
-                            </a:rPr>
-                            <m:t>+0.1</m:t>
-                          </m:r>
-                          <m:r>
-                            <a:rPr lang="en-US" altLang="ja-JP" sz="1200" b="1" i="1" smtClean="0">
-                              <a:latin typeface="Cambria Math" panose="02040503050406030204" pitchFamily="18" charset="0"/>
-                              <a:ea typeface="Cambria Math" panose="02040503050406030204" pitchFamily="18" charset="0"/>
-                            </a:rPr>
-                            <m:t>)</m:t>
-                          </m:r>
-                          <m:r>
-                            <a:rPr lang="en-US" altLang="ja-JP" sz="1200" i="1">
-                              <a:latin typeface="Cambria Math" panose="02040503050406030204" pitchFamily="18" charset="0"/>
-                              <a:ea typeface="Cambria Math" panose="02040503050406030204" pitchFamily="18" charset="0"/>
-                            </a:rPr>
-                            <m:t>,</m:t>
-                          </m:r>
-                          <m:d>
-                            <m:dPr>
-                              <m:ctrlPr>
-                                <a:rPr lang="en-US" altLang="ja-JP" sz="1200" i="1">
-                                  <a:latin typeface="Cambria Math" panose="02040503050406030204" pitchFamily="18" charset="0"/>
-                                  <a:ea typeface="Cambria Math" panose="02040503050406030204" pitchFamily="18" charset="0"/>
-                                </a:rPr>
-                              </m:ctrlPr>
-                            </m:dPr>
-                            <m:e>
-                              <m:r>
-                                <a:rPr lang="en-US" altLang="ja-JP" sz="1200" i="1">
-                                  <a:latin typeface="Cambria Math" panose="02040503050406030204" pitchFamily="18" charset="0"/>
-                                  <a:ea typeface="Cambria Math" panose="02040503050406030204" pitchFamily="18" charset="0"/>
-                                </a:rPr>
-                                <m:t>1−</m:t>
-                              </m:r>
-                              <m:r>
-                                <a:rPr lang="en-US" altLang="ja-JP" sz="1200" i="1">
-                                  <a:latin typeface="Cambria Math" panose="02040503050406030204" pitchFamily="18" charset="0"/>
-                                  <a:ea typeface="Cambria Math" panose="02040503050406030204" pitchFamily="18" charset="0"/>
-                                </a:rPr>
-                                <m:t>𝑤</m:t>
-                              </m:r>
-                            </m:e>
-                          </m:d>
-                          <m:r>
-                            <a:rPr lang="en-US" altLang="ja-JP" sz="1200" i="1">
-                              <a:latin typeface="Cambria Math" panose="02040503050406030204" pitchFamily="18" charset="0"/>
-                              <a:ea typeface="Cambria Math" panose="02040503050406030204" pitchFamily="18" charset="0"/>
-                            </a:rPr>
-                            <m:t>𝑣</m:t>
-                          </m:r>
-                          <m:d>
-                            <m:dPr>
-                              <m:ctrlPr>
-                                <a:rPr lang="en-US" altLang="ja-JP" sz="1200" i="1">
-                                  <a:latin typeface="Cambria Math" panose="02040503050406030204" pitchFamily="18" charset="0"/>
-                                  <a:ea typeface="Cambria Math" panose="02040503050406030204" pitchFamily="18" charset="0"/>
-                                </a:rPr>
-                              </m:ctrlPr>
-                            </m:dPr>
-                            <m:e>
-                              <m:r>
-                                <a:rPr lang="en-US" altLang="ja-JP" sz="1200" b="1" i="1">
-                                  <a:latin typeface="Cambria Math" panose="02040503050406030204" pitchFamily="18" charset="0"/>
-                                  <a:ea typeface="Cambria Math" panose="02040503050406030204" pitchFamily="18" charset="0"/>
-                                </a:rPr>
-                                <m:t>𝒙</m:t>
-                              </m:r>
-                            </m:e>
-                          </m:d>
-                        </m:e>
-                      </m:d>
-                      <m:r>
-                        <a:rPr lang="en-US" altLang="ja-JP" sz="1200" i="1">
-                          <a:latin typeface="Cambria Math" panose="02040503050406030204" pitchFamily="18" charset="0"/>
-                          <a:ea typeface="Cambria Math" panose="02040503050406030204" pitchFamily="18" charset="0"/>
-                        </a:rPr>
-                        <m:t>−</m:t>
-                      </m:r>
-                      <m:r>
-                        <m:rPr>
-                          <m:sty m:val="p"/>
-                        </m:rPr>
-                        <a:rPr lang="en-US" altLang="ja-JP" sz="1200">
-                          <a:latin typeface="Cambria Math" panose="02040503050406030204" pitchFamily="18" charset="0"/>
-                          <a:ea typeface="Cambria Math" panose="02040503050406030204" pitchFamily="18" charset="0"/>
-                        </a:rPr>
-                        <m:t>max</m:t>
-                      </m:r>
-                      <m:d>
-                        <m:dPr>
-                          <m:begChr m:val="{"/>
-                          <m:endChr m:val="}"/>
-                          <m:ctrlPr>
-                            <a:rPr lang="en-US" altLang="ja-JP" sz="1200" i="1">
-                              <a:latin typeface="Cambria Math" panose="02040503050406030204" pitchFamily="18" charset="0"/>
-                              <a:ea typeface="Cambria Math" panose="02040503050406030204" pitchFamily="18" charset="0"/>
-                            </a:rPr>
-                          </m:ctrlPr>
-                        </m:dPr>
-                        <m:e>
-                          <m:r>
-                            <a:rPr lang="en-US" altLang="ja-JP" sz="1200" i="1">
-                              <a:latin typeface="Cambria Math" panose="02040503050406030204" pitchFamily="18" charset="0"/>
-                              <a:ea typeface="Cambria Math" panose="02040503050406030204" pitchFamily="18" charset="0"/>
-                            </a:rPr>
-                            <m:t>𝑤</m:t>
-                          </m:r>
-                          <m:r>
-                            <a:rPr lang="en-US" altLang="ja-JP" sz="1200" i="1">
-                              <a:latin typeface="Cambria Math" panose="02040503050406030204" pitchFamily="18" charset="0"/>
-                              <a:ea typeface="Cambria Math" panose="02040503050406030204" pitchFamily="18" charset="0"/>
-                            </a:rPr>
-                            <m:t>(</m:t>
-                          </m:r>
-                          <m:r>
-                            <a:rPr lang="en-US" altLang="ja-JP" sz="1200" i="1">
-                              <a:latin typeface="Cambria Math" panose="02040503050406030204" pitchFamily="18" charset="0"/>
-                              <a:ea typeface="Cambria Math" panose="02040503050406030204" pitchFamily="18" charset="0"/>
-                            </a:rPr>
-                            <m:t>𝑓</m:t>
-                          </m:r>
-                          <m:d>
-                            <m:dPr>
-                              <m:ctrlPr>
-                                <a:rPr lang="en-US" altLang="ja-JP" sz="1200" i="1">
-                                  <a:latin typeface="Cambria Math" panose="02040503050406030204" pitchFamily="18" charset="0"/>
-                                  <a:ea typeface="Cambria Math" panose="02040503050406030204" pitchFamily="18" charset="0"/>
-                                </a:rPr>
-                              </m:ctrlPr>
-                            </m:dPr>
-                            <m:e>
-                              <m:r>
-                                <a:rPr lang="en-US" altLang="ja-JP" sz="1200" b="1" i="1" smtClean="0">
-                                  <a:latin typeface="Cambria Math" panose="02040503050406030204" pitchFamily="18" charset="0"/>
-                                  <a:ea typeface="Cambria Math" panose="02040503050406030204" pitchFamily="18" charset="0"/>
-                                </a:rPr>
-                                <m:t>𝒚</m:t>
-                              </m:r>
-                            </m:e>
-                          </m:d>
-                          <m:r>
-                            <a:rPr lang="en-US" altLang="ja-JP" sz="1200" i="1">
-                              <a:latin typeface="Cambria Math" panose="02040503050406030204" pitchFamily="18" charset="0"/>
-                              <a:ea typeface="Cambria Math" panose="02040503050406030204" pitchFamily="18" charset="0"/>
-                            </a:rPr>
-                            <m:t>+0.1</m:t>
-                          </m:r>
-                          <m:r>
-                            <a:rPr lang="en-US" altLang="ja-JP" sz="1200" b="1" i="1">
-                              <a:latin typeface="Cambria Math" panose="02040503050406030204" pitchFamily="18" charset="0"/>
-                              <a:ea typeface="Cambria Math" panose="02040503050406030204" pitchFamily="18" charset="0"/>
-                            </a:rPr>
-                            <m:t>)</m:t>
-                          </m:r>
-                          <m:r>
-                            <a:rPr lang="en-US" altLang="ja-JP" sz="1200" i="1">
-                              <a:latin typeface="Cambria Math" panose="02040503050406030204" pitchFamily="18" charset="0"/>
-                              <a:ea typeface="Cambria Math" panose="02040503050406030204" pitchFamily="18" charset="0"/>
-                            </a:rPr>
-                            <m:t>,</m:t>
-                          </m:r>
-                          <m:d>
-                            <m:dPr>
-                              <m:ctrlPr>
-                                <a:rPr lang="en-US" altLang="ja-JP" sz="1200" i="1">
-                                  <a:latin typeface="Cambria Math" panose="02040503050406030204" pitchFamily="18" charset="0"/>
-                                  <a:ea typeface="Cambria Math" panose="02040503050406030204" pitchFamily="18" charset="0"/>
-                                </a:rPr>
-                              </m:ctrlPr>
-                            </m:dPr>
-                            <m:e>
-                              <m:r>
-                                <a:rPr lang="en-US" altLang="ja-JP" sz="1200" i="1">
-                                  <a:latin typeface="Cambria Math" panose="02040503050406030204" pitchFamily="18" charset="0"/>
-                                  <a:ea typeface="Cambria Math" panose="02040503050406030204" pitchFamily="18" charset="0"/>
-                                </a:rPr>
-                                <m:t>1−</m:t>
-                              </m:r>
-                              <m:r>
-                                <a:rPr lang="en-US" altLang="ja-JP" sz="1200" i="1">
-                                  <a:latin typeface="Cambria Math" panose="02040503050406030204" pitchFamily="18" charset="0"/>
-                                  <a:ea typeface="Cambria Math" panose="02040503050406030204" pitchFamily="18" charset="0"/>
-                                </a:rPr>
-                                <m:t>𝑤</m:t>
-                              </m:r>
-                            </m:e>
-                          </m:d>
-                          <m:r>
-                            <a:rPr lang="en-US" altLang="ja-JP" sz="1200" i="1">
-                              <a:latin typeface="Cambria Math" panose="02040503050406030204" pitchFamily="18" charset="0"/>
-                              <a:ea typeface="Cambria Math" panose="02040503050406030204" pitchFamily="18" charset="0"/>
-                            </a:rPr>
-                            <m:t>𝑣</m:t>
-                          </m:r>
-                          <m:d>
-                            <m:dPr>
-                              <m:ctrlPr>
-                                <a:rPr lang="en-US" altLang="ja-JP" sz="1200" i="1">
-                                  <a:latin typeface="Cambria Math" panose="02040503050406030204" pitchFamily="18" charset="0"/>
-                                  <a:ea typeface="Cambria Math" panose="02040503050406030204" pitchFamily="18" charset="0"/>
-                                </a:rPr>
-                              </m:ctrlPr>
-                            </m:dPr>
-                            <m:e>
-                              <m:r>
-                                <a:rPr lang="en-US" altLang="ja-JP" sz="1200" b="1" i="1">
-                                  <a:latin typeface="Cambria Math" panose="02040503050406030204" pitchFamily="18" charset="0"/>
-                                  <a:ea typeface="Cambria Math" panose="02040503050406030204" pitchFamily="18" charset="0"/>
-                                </a:rPr>
-                                <m:t>𝒚</m:t>
-                              </m:r>
-                            </m:e>
-                          </m:d>
-                        </m:e>
-                      </m:d>
-                    </m:oMath>
-                  </m:oMathPara>
-                </a14:m>
-                <a:endParaRPr lang="en-US" altLang="ja-JP" sz="1200" b="1" i="1" dirty="0">
-                  <a:latin typeface="Cambria Math" panose="02040503050406030204" pitchFamily="18" charset="0"/>
-                  <a:ea typeface="Cambria Math" panose="02040503050406030204" pitchFamily="18" charset="0"/>
-                </a:endParaRPr>
-              </a:p>
-            </p:txBody>
-          </p:sp>
-        </mc:Choice>
-        <mc:Fallback>
-          <p:sp>
-            <p:nvSpPr>
-              <p:cNvPr id="11" name="テキスト ボックス 10">
-                <a:extLst>
-                  <a:ext uri="{FF2B5EF4-FFF2-40B4-BE49-F238E27FC236}">
-                    <a16:creationId xmlns:a16="http://schemas.microsoft.com/office/drawing/2014/main" id="{68017143-15AC-4513-9996-D6F86B0F5174}"/>
-                  </a:ext>
-                </a:extLst>
-              </p:cNvPr>
-              <p:cNvSpPr txBox="1">
-                <a:spLocks noRot="1" noChangeAspect="1" noMove="1" noResize="1" noEditPoints="1" noAdjustHandles="1" noChangeArrowheads="1" noChangeShapeType="1" noTextEdit="1"/>
-              </p:cNvSpPr>
-              <p:nvPr/>
-            </p:nvSpPr>
-            <p:spPr>
-              <a:xfrm>
-                <a:off x="566342" y="1733516"/>
-                <a:ext cx="10715184" cy="1054648"/>
-              </a:xfrm>
-              <a:prstGeom prst="rect">
-                <a:avLst/>
-              </a:prstGeom>
-              <a:blipFill>
-                <a:blip r:embed="rId4"/>
-                <a:stretch>
-                  <a:fillRect b="-2312"/>
-                </a:stretch>
-              </a:blipFill>
-            </p:spPr>
-            <p:txBody>
-              <a:bodyPr/>
-              <a:lstStyle/>
-              <a:p>
-                <a:r>
-                  <a:rPr lang="ja-JP" altLang="en-US">
-                    <a:noFill/>
-                  </a:rPr>
-                  <a:t> </a:t>
-                </a:r>
-              </a:p>
-            </p:txBody>
-          </p:sp>
-        </mc:Fallback>
-      </mc:AlternateContent>
-      <p:sp>
-        <p:nvSpPr>
-          <p:cNvPr id="2" name="部分円 1">
-            <a:extLst>
-              <a:ext uri="{FF2B5EF4-FFF2-40B4-BE49-F238E27FC236}">
-                <a16:creationId xmlns:a16="http://schemas.microsoft.com/office/drawing/2014/main" id="{5A79C979-0EE8-46E7-94D3-48F3A9787805}"/>
-              </a:ext>
-            </a:extLst>
-          </p:cNvPr>
-          <p:cNvSpPr/>
-          <p:nvPr/>
-        </p:nvSpPr>
-        <p:spPr>
-          <a:xfrm rot="5400000">
-            <a:off x="5095925" y="1478167"/>
-            <a:ext cx="2694551" cy="2488791"/>
-          </a:xfrm>
-          <a:prstGeom prst="pie">
-            <a:avLst>
-              <a:gd name="adj1" fmla="val 10722467"/>
-              <a:gd name="adj2" fmla="val 16200000"/>
-            </a:avLst>
-          </a:prstGeom>
-          <a:solidFill>
-            <a:schemeClr val="bg1"/>
-          </a:solidFill>
-        </p:spPr>
-        <p:style>
-          <a:lnRef idx="2">
-            <a:schemeClr val="accent1">
-              <a:shade val="50000"/>
-            </a:schemeClr>
-          </a:lnRef>
-          <a:fillRef idx="1">
-            <a:schemeClr val="accent1"/>
-          </a:fillRef>
-          <a:effectRef idx="0">
-            <a:schemeClr val="accent1"/>
-          </a:effectRef>
-          <a:fontRef idx="minor">
-            <a:schemeClr val="lt1"/>
-          </a:fontRef>
-        </p:style>
-        <p:txBody>
-          <a:bodyPr rtlCol="0" anchor="ctr"/>
-          <a:lstStyle/>
-          <a:p>
-            <a:pPr algn="ctr"/>
-            <a:endParaRPr kumimoji="1" lang="ja-JP" altLang="en-US">
-              <a:solidFill>
-                <a:schemeClr val="tx1"/>
-              </a:solidFill>
-            </a:endParaRPr>
-          </a:p>
-        </p:txBody>
-      </p:sp>
-      <p:sp>
-        <p:nvSpPr>
-          <p:cNvPr id="4" name="楕円 3">
-            <a:extLst>
-              <a:ext uri="{FF2B5EF4-FFF2-40B4-BE49-F238E27FC236}">
-                <a16:creationId xmlns:a16="http://schemas.microsoft.com/office/drawing/2014/main" id="{E69E1453-DDF1-420C-B9AA-39455375382B}"/>
-              </a:ext>
-            </a:extLst>
-          </p:cNvPr>
-          <p:cNvSpPr/>
-          <p:nvPr/>
-        </p:nvSpPr>
-        <p:spPr>
-          <a:xfrm>
-            <a:off x="6347336" y="1324344"/>
-            <a:ext cx="95864" cy="100365"/>
-          </a:xfrm>
-          <a:prstGeom prst="ellipse">
-            <a:avLst/>
-          </a:prstGeom>
-          <a:solidFill>
-            <a:schemeClr val="bg1"/>
-          </a:solidFill>
-        </p:spPr>
-        <p:style>
-          <a:lnRef idx="2">
-            <a:schemeClr val="accent1">
-              <a:shade val="50000"/>
-            </a:schemeClr>
-          </a:lnRef>
-          <a:fillRef idx="1">
-            <a:schemeClr val="accent1"/>
-          </a:fillRef>
-          <a:effectRef idx="0">
-            <a:schemeClr val="accent1"/>
-          </a:effectRef>
-          <a:fontRef idx="minor">
-            <a:schemeClr val="lt1"/>
-          </a:fontRef>
-        </p:style>
-        <p:txBody>
-          <a:bodyPr rtlCol="0" anchor="ctr"/>
-          <a:lstStyle/>
-          <a:p>
-            <a:pPr algn="ctr"/>
-            <a:endParaRPr kumimoji="1" lang="ja-JP" altLang="en-US">
-              <a:solidFill>
-                <a:schemeClr val="tx1"/>
-              </a:solidFill>
-            </a:endParaRPr>
-          </a:p>
-        </p:txBody>
-      </p:sp>
-      <p:sp>
-        <p:nvSpPr>
-          <p:cNvPr id="14" name="楕円 13">
-            <a:extLst>
-              <a:ext uri="{FF2B5EF4-FFF2-40B4-BE49-F238E27FC236}">
-                <a16:creationId xmlns:a16="http://schemas.microsoft.com/office/drawing/2014/main" id="{96DB5412-3224-4C6E-A8A6-83C969E02119}"/>
-              </a:ext>
-            </a:extLst>
-          </p:cNvPr>
-          <p:cNvSpPr/>
-          <p:nvPr/>
-        </p:nvSpPr>
-        <p:spPr>
-          <a:xfrm>
-            <a:off x="6900707" y="1420924"/>
-            <a:ext cx="95864" cy="100365"/>
-          </a:xfrm>
-          <a:prstGeom prst="ellipse">
-            <a:avLst/>
-          </a:prstGeom>
-          <a:solidFill>
-            <a:schemeClr val="bg1"/>
-          </a:solidFill>
-        </p:spPr>
-        <p:style>
-          <a:lnRef idx="2">
-            <a:schemeClr val="accent1">
-              <a:shade val="50000"/>
-            </a:schemeClr>
-          </a:lnRef>
-          <a:fillRef idx="1">
-            <a:schemeClr val="accent1"/>
-          </a:fillRef>
-          <a:effectRef idx="0">
-            <a:schemeClr val="accent1"/>
-          </a:effectRef>
-          <a:fontRef idx="minor">
-            <a:schemeClr val="lt1"/>
-          </a:fontRef>
-        </p:style>
-        <p:txBody>
-          <a:bodyPr rtlCol="0" anchor="ctr"/>
-          <a:lstStyle/>
-          <a:p>
-            <a:pPr algn="ctr"/>
-            <a:endParaRPr kumimoji="1" lang="ja-JP" altLang="en-US">
-              <a:solidFill>
-                <a:schemeClr val="tx1"/>
-              </a:solidFill>
-            </a:endParaRPr>
-          </a:p>
-        </p:txBody>
-      </p:sp>
-      <p:sp>
-        <p:nvSpPr>
-          <p:cNvPr id="16" name="楕円 15">
-            <a:extLst>
-              <a:ext uri="{FF2B5EF4-FFF2-40B4-BE49-F238E27FC236}">
-                <a16:creationId xmlns:a16="http://schemas.microsoft.com/office/drawing/2014/main" id="{C322E605-D757-4084-B644-C210CBA65C27}"/>
-              </a:ext>
-            </a:extLst>
-          </p:cNvPr>
-          <p:cNvSpPr/>
-          <p:nvPr/>
-        </p:nvSpPr>
-        <p:spPr>
-          <a:xfrm>
-            <a:off x="7280784" y="1720645"/>
-            <a:ext cx="95864" cy="100365"/>
-          </a:xfrm>
-          <a:prstGeom prst="ellipse">
-            <a:avLst/>
-          </a:prstGeom>
-          <a:solidFill>
-            <a:schemeClr val="bg1"/>
-          </a:solidFill>
-        </p:spPr>
-        <p:style>
-          <a:lnRef idx="2">
-            <a:schemeClr val="accent1">
-              <a:shade val="50000"/>
-            </a:schemeClr>
-          </a:lnRef>
-          <a:fillRef idx="1">
-            <a:schemeClr val="accent1"/>
-          </a:fillRef>
-          <a:effectRef idx="0">
-            <a:schemeClr val="accent1"/>
-          </a:effectRef>
-          <a:fontRef idx="minor">
-            <a:schemeClr val="lt1"/>
-          </a:fontRef>
-        </p:style>
-        <p:txBody>
-          <a:bodyPr rtlCol="0" anchor="ctr"/>
-          <a:lstStyle/>
-          <a:p>
-            <a:pPr algn="ctr"/>
-            <a:endParaRPr kumimoji="1" lang="ja-JP" altLang="en-US">
-              <a:solidFill>
-                <a:schemeClr val="tx1"/>
-              </a:solidFill>
-            </a:endParaRPr>
-          </a:p>
-        </p:txBody>
-      </p:sp>
-      <p:sp>
-        <p:nvSpPr>
-          <p:cNvPr id="17" name="楕円 16">
-            <a:extLst>
-              <a:ext uri="{FF2B5EF4-FFF2-40B4-BE49-F238E27FC236}">
-                <a16:creationId xmlns:a16="http://schemas.microsoft.com/office/drawing/2014/main" id="{9B152DE5-A943-4D43-BF4D-F1725E9D5D16}"/>
-              </a:ext>
-            </a:extLst>
-          </p:cNvPr>
-          <p:cNvSpPr/>
-          <p:nvPr/>
-        </p:nvSpPr>
-        <p:spPr>
-          <a:xfrm>
-            <a:off x="7526590" y="2091842"/>
-            <a:ext cx="95864" cy="100365"/>
-          </a:xfrm>
-          <a:prstGeom prst="ellipse">
-            <a:avLst/>
-          </a:prstGeom>
-          <a:solidFill>
-            <a:schemeClr val="bg1"/>
-          </a:solidFill>
-        </p:spPr>
-        <p:style>
-          <a:lnRef idx="2">
-            <a:schemeClr val="accent1">
-              <a:shade val="50000"/>
-            </a:schemeClr>
-          </a:lnRef>
-          <a:fillRef idx="1">
-            <a:schemeClr val="accent1"/>
-          </a:fillRef>
-          <a:effectRef idx="0">
-            <a:schemeClr val="accent1"/>
-          </a:effectRef>
-          <a:fontRef idx="minor">
-            <a:schemeClr val="lt1"/>
-          </a:fontRef>
-        </p:style>
-        <p:txBody>
-          <a:bodyPr rtlCol="0" anchor="ctr"/>
-          <a:lstStyle/>
-          <a:p>
-            <a:pPr algn="ctr"/>
-            <a:endParaRPr kumimoji="1" lang="ja-JP" altLang="en-US">
-              <a:solidFill>
-                <a:schemeClr val="tx1"/>
-              </a:solidFill>
-            </a:endParaRPr>
-          </a:p>
-        </p:txBody>
-      </p:sp>
-      <p:sp>
-        <p:nvSpPr>
-          <p:cNvPr id="18" name="楕円 17">
-            <a:extLst>
-              <a:ext uri="{FF2B5EF4-FFF2-40B4-BE49-F238E27FC236}">
-                <a16:creationId xmlns:a16="http://schemas.microsoft.com/office/drawing/2014/main" id="{71D6EBD5-2152-4954-85A5-481415DE30A2}"/>
-              </a:ext>
-            </a:extLst>
-          </p:cNvPr>
-          <p:cNvSpPr/>
-          <p:nvPr/>
-        </p:nvSpPr>
-        <p:spPr>
-          <a:xfrm>
-            <a:off x="7622454" y="2637500"/>
-            <a:ext cx="95864" cy="100365"/>
-          </a:xfrm>
-          <a:prstGeom prst="ellipse">
-            <a:avLst/>
-          </a:prstGeom>
-          <a:solidFill>
-            <a:schemeClr val="bg1"/>
-          </a:solidFill>
-        </p:spPr>
-        <p:style>
-          <a:lnRef idx="2">
-            <a:schemeClr val="accent1">
-              <a:shade val="50000"/>
-            </a:schemeClr>
-          </a:lnRef>
-          <a:fillRef idx="1">
-            <a:schemeClr val="accent1"/>
-          </a:fillRef>
-          <a:effectRef idx="0">
-            <a:schemeClr val="accent1"/>
-          </a:effectRef>
-          <a:fontRef idx="minor">
-            <a:schemeClr val="lt1"/>
-          </a:fontRef>
-        </p:style>
-        <p:txBody>
-          <a:bodyPr rtlCol="0" anchor="ctr"/>
-          <a:lstStyle/>
-          <a:p>
-            <a:pPr algn="ctr"/>
-            <a:endParaRPr kumimoji="1" lang="ja-JP" altLang="en-US">
-              <a:solidFill>
-                <a:schemeClr val="tx1"/>
-              </a:solidFill>
-            </a:endParaRPr>
           </a:p>
         </p:txBody>
       </p:sp>
